--- a/Slides/Football 4/Footballl_4_Lecture.pptx
+++ b/Slides/Football 4/Footballl_4_Lecture.pptx
@@ -219,7 +219,7 @@
           <a:p>
             <a:fld id="{C04E5E84-956F-4423-97B3-5936A6D8EEEE}" type="datetimeFigureOut">
               <a:rPr lang="en-US" smtClean="0"/>
-              <a:t>10/22/2019</a:t>
+              <a:t>10/21/2020</a:t>
             </a:fld>
             <a:endParaRPr lang="en-US"/>
           </a:p>
@@ -671,7 +671,7 @@
           <a:p>
             <a:fld id="{3881C039-66A3-4640-815B-3B5A8B7D868D}" type="datetimeFigureOut">
               <a:rPr lang="en-US" smtClean="0"/>
-              <a:t>10/22/2019</a:t>
+              <a:t>10/21/2020</a:t>
             </a:fld>
             <a:endParaRPr lang="en-US"/>
           </a:p>
@@ -969,7 +969,7 @@
           <a:p>
             <a:fld id="{3881C039-66A3-4640-815B-3B5A8B7D868D}" type="datetimeFigureOut">
               <a:rPr lang="en-US" smtClean="0"/>
-              <a:t>10/22/2019</a:t>
+              <a:t>10/21/2020</a:t>
             </a:fld>
             <a:endParaRPr lang="en-US"/>
           </a:p>
@@ -1161,7 +1161,7 @@
           <a:p>
             <a:fld id="{3881C039-66A3-4640-815B-3B5A8B7D868D}" type="datetimeFigureOut">
               <a:rPr lang="en-US" smtClean="0"/>
-              <a:t>10/22/2019</a:t>
+              <a:t>10/21/2020</a:t>
             </a:fld>
             <a:endParaRPr lang="en-US"/>
           </a:p>
@@ -1422,7 +1422,7 @@
           <a:p>
             <a:fld id="{3881C039-66A3-4640-815B-3B5A8B7D868D}" type="datetimeFigureOut">
               <a:rPr lang="en-US" smtClean="0"/>
-              <a:t>10/22/2019</a:t>
+              <a:t>10/21/2020</a:t>
             </a:fld>
             <a:endParaRPr lang="en-US"/>
           </a:p>
@@ -1846,7 +1846,7 @@
           <a:p>
             <a:fld id="{3881C039-66A3-4640-815B-3B5A8B7D868D}" type="datetimeFigureOut">
               <a:rPr lang="en-US" smtClean="0"/>
-              <a:t>10/22/2019</a:t>
+              <a:t>10/21/2020</a:t>
             </a:fld>
             <a:endParaRPr lang="en-US"/>
           </a:p>
@@ -2383,7 +2383,7 @@
           <a:p>
             <a:fld id="{3881C039-66A3-4640-815B-3B5A8B7D868D}" type="datetimeFigureOut">
               <a:rPr lang="en-US" smtClean="0"/>
-              <a:t>10/22/2019</a:t>
+              <a:t>10/21/2020</a:t>
             </a:fld>
             <a:endParaRPr lang="en-US"/>
           </a:p>
@@ -3247,7 +3247,7 @@
           <a:p>
             <a:fld id="{3881C039-66A3-4640-815B-3B5A8B7D868D}" type="datetimeFigureOut">
               <a:rPr lang="en-US" smtClean="0"/>
-              <a:t>10/22/2019</a:t>
+              <a:t>10/21/2020</a:t>
             </a:fld>
             <a:endParaRPr lang="en-US"/>
           </a:p>
@@ -3417,7 +3417,7 @@
           <a:p>
             <a:fld id="{3881C039-66A3-4640-815B-3B5A8B7D868D}" type="datetimeFigureOut">
               <a:rPr lang="en-US" smtClean="0"/>
-              <a:t>10/22/2019</a:t>
+              <a:t>10/21/2020</a:t>
             </a:fld>
             <a:endParaRPr lang="en-US"/>
           </a:p>
@@ -3601,7 +3601,7 @@
           <a:p>
             <a:fld id="{3881C039-66A3-4640-815B-3B5A8B7D868D}" type="datetimeFigureOut">
               <a:rPr lang="en-US" smtClean="0"/>
-              <a:t>10/22/2019</a:t>
+              <a:t>10/21/2020</a:t>
             </a:fld>
             <a:endParaRPr lang="en-US"/>
           </a:p>
@@ -3771,7 +3771,7 @@
           <a:p>
             <a:fld id="{3881C039-66A3-4640-815B-3B5A8B7D868D}" type="datetimeFigureOut">
               <a:rPr lang="en-US" smtClean="0"/>
-              <a:t>10/22/2019</a:t>
+              <a:t>10/21/2020</a:t>
             </a:fld>
             <a:endParaRPr lang="en-US"/>
           </a:p>
@@ -4015,7 +4015,7 @@
           <a:p>
             <a:fld id="{3881C039-66A3-4640-815B-3B5A8B7D868D}" type="datetimeFigureOut">
               <a:rPr lang="en-US" smtClean="0"/>
-              <a:t>10/22/2019</a:t>
+              <a:t>10/21/2020</a:t>
             </a:fld>
             <a:endParaRPr lang="en-US"/>
           </a:p>
@@ -4251,7 +4251,7 @@
           <a:p>
             <a:fld id="{3881C039-66A3-4640-815B-3B5A8B7D868D}" type="datetimeFigureOut">
               <a:rPr lang="en-US" smtClean="0"/>
-              <a:t>10/22/2019</a:t>
+              <a:t>10/21/2020</a:t>
             </a:fld>
             <a:endParaRPr lang="en-US"/>
           </a:p>
@@ -4717,7 +4717,7 @@
           <a:p>
             <a:fld id="{3881C039-66A3-4640-815B-3B5A8B7D868D}" type="datetimeFigureOut">
               <a:rPr lang="en-US" smtClean="0"/>
-              <a:t>10/22/2019</a:t>
+              <a:t>10/21/2020</a:t>
             </a:fld>
             <a:endParaRPr lang="en-US"/>
           </a:p>
@@ -4835,7 +4835,7 @@
           <a:p>
             <a:fld id="{3881C039-66A3-4640-815B-3B5A8B7D868D}" type="datetimeFigureOut">
               <a:rPr lang="en-US" smtClean="0"/>
-              <a:t>10/22/2019</a:t>
+              <a:t>10/21/2020</a:t>
             </a:fld>
             <a:endParaRPr lang="en-US"/>
           </a:p>
@@ -4930,7 +4930,7 @@
           <a:p>
             <a:fld id="{3881C039-66A3-4640-815B-3B5A8B7D868D}" type="datetimeFigureOut">
               <a:rPr lang="en-US" smtClean="0"/>
-              <a:t>10/22/2019</a:t>
+              <a:t>10/21/2020</a:t>
             </a:fld>
             <a:endParaRPr lang="en-US"/>
           </a:p>
@@ -5185,7 +5185,7 @@
           <a:p>
             <a:fld id="{3881C039-66A3-4640-815B-3B5A8B7D868D}" type="datetimeFigureOut">
               <a:rPr lang="en-US" smtClean="0"/>
-              <a:t>10/22/2019</a:t>
+              <a:t>10/21/2020</a:t>
             </a:fld>
             <a:endParaRPr lang="en-US"/>
           </a:p>
@@ -5485,7 +5485,7 @@
           <a:p>
             <a:fld id="{3881C039-66A3-4640-815B-3B5A8B7D868D}" type="datetimeFigureOut">
               <a:rPr lang="en-US" smtClean="0"/>
-              <a:t>10/22/2019</a:t>
+              <a:t>10/21/2020</a:t>
             </a:fld>
             <a:endParaRPr lang="en-US"/>
           </a:p>
@@ -5719,7 +5719,7 @@
           <a:p>
             <a:fld id="{3881C039-66A3-4640-815B-3B5A8B7D868D}" type="datetimeFigureOut">
               <a:rPr lang="en-US" smtClean="0"/>
-              <a:t>10/22/2019</a:t>
+              <a:t>10/21/2020</a:t>
             </a:fld>
             <a:endParaRPr lang="en-US"/>
           </a:p>
@@ -7461,8 +7461,8 @@
           </a:prstGeom>
         </p:spPr>
       </p:pic>
-      <mc:AlternateContent xmlns:mc="http://schemas.openxmlformats.org/markup-compatibility/2006">
-        <mc:Choice xmlns:a14="http://schemas.microsoft.com/office/drawing/2010/main" Requires="a14">
+      <mc:AlternateContent xmlns:mc="http://schemas.openxmlformats.org/markup-compatibility/2006" xmlns:a14="http://schemas.microsoft.com/office/drawing/2010/main">
+        <mc:Choice Requires="a14">
           <p:sp>
             <p:nvSpPr>
               <p:cNvPr id="18" name="TextBox 17">
@@ -7561,7 +7561,7 @@
             </p:txBody>
           </p:sp>
         </mc:Choice>
-        <mc:Fallback>
+        <mc:Fallback xmlns="">
           <p:sp>
             <p:nvSpPr>
               <p:cNvPr id="18" name="TextBox 17">
@@ -7606,8 +7606,8 @@
           </p:sp>
         </mc:Fallback>
       </mc:AlternateContent>
-      <mc:AlternateContent xmlns:mc="http://schemas.openxmlformats.org/markup-compatibility/2006">
-        <mc:Choice xmlns:a14="http://schemas.microsoft.com/office/drawing/2010/main" Requires="a14">
+      <mc:AlternateContent xmlns:mc="http://schemas.openxmlformats.org/markup-compatibility/2006" xmlns:a14="http://schemas.microsoft.com/office/drawing/2010/main">
+        <mc:Choice Requires="a14">
           <p:sp>
             <p:nvSpPr>
               <p:cNvPr id="23" name="TextBox 22">
@@ -7677,18 +7677,7 @@
                               </a:solidFill>
                               <a:latin typeface="Cambria Math" panose="02040503050406030204" pitchFamily="18" charset="0"/>
                             </a:rPr>
-                            <m:t>1</m:t>
-                          </m:r>
-                          <m:r>
-                            <a:rPr lang="en-US" sz="2000" b="0" i="1" smtClean="0">
-                              <a:solidFill>
-                                <a:schemeClr val="tx1">
-                                  <a:lumMod val="95000"/>
-                                </a:schemeClr>
-                              </a:solidFill>
-                              <a:latin typeface="Cambria Math" panose="02040503050406030204" pitchFamily="18" charset="0"/>
-                            </a:rPr>
-                            <m:t>,5,35</m:t>
+                            <m:t>1,5,35</m:t>
                           </m:r>
                         </m:e>
                       </m:d>
@@ -7717,7 +7706,7 @@
             </p:txBody>
           </p:sp>
         </mc:Choice>
-        <mc:Fallback>
+        <mc:Fallback xmlns="">
           <p:sp>
             <p:nvSpPr>
               <p:cNvPr id="23" name="TextBox 22">
@@ -7938,8 +7927,8 @@
           </a:p>
         </p:txBody>
       </p:sp>
-      <mc:AlternateContent xmlns:mc="http://schemas.openxmlformats.org/markup-compatibility/2006">
-        <mc:Choice xmlns:a14="http://schemas.microsoft.com/office/drawing/2010/main" Requires="a14">
+      <mc:AlternateContent xmlns:mc="http://schemas.openxmlformats.org/markup-compatibility/2006" xmlns:a14="http://schemas.microsoft.com/office/drawing/2010/main">
+        <mc:Choice Requires="a14">
           <p:sp>
             <p:nvSpPr>
               <p:cNvPr id="31" name="TextBox 30">
@@ -8038,7 +8027,7 @@
             </p:txBody>
           </p:sp>
         </mc:Choice>
-        <mc:Fallback>
+        <mc:Fallback xmlns="">
           <p:sp>
             <p:nvSpPr>
               <p:cNvPr id="31" name="TextBox 30">
@@ -8083,8 +8072,8 @@
           </p:sp>
         </mc:Fallback>
       </mc:AlternateContent>
-      <mc:AlternateContent xmlns:mc="http://schemas.openxmlformats.org/markup-compatibility/2006">
-        <mc:Choice xmlns:a14="http://schemas.microsoft.com/office/drawing/2010/main" Requires="a14">
+      <mc:AlternateContent xmlns:mc="http://schemas.openxmlformats.org/markup-compatibility/2006" xmlns:a14="http://schemas.microsoft.com/office/drawing/2010/main">
+        <mc:Choice Requires="a14">
           <p:sp>
             <p:nvSpPr>
               <p:cNvPr id="32" name="TextBox 31">
@@ -8154,18 +8143,7 @@
                               </a:solidFill>
                               <a:latin typeface="Cambria Math" panose="02040503050406030204" pitchFamily="18" charset="0"/>
                             </a:rPr>
-                            <m:t>1</m:t>
-                          </m:r>
-                          <m:r>
-                            <a:rPr lang="en-US" sz="2000" b="0" i="1" smtClean="0">
-                              <a:solidFill>
-                                <a:schemeClr val="tx1">
-                                  <a:lumMod val="95000"/>
-                                </a:schemeClr>
-                              </a:solidFill>
-                              <a:latin typeface="Cambria Math" panose="02040503050406030204" pitchFamily="18" charset="0"/>
-                            </a:rPr>
-                            <m:t>,15,25</m:t>
+                            <m:t>1,15,25</m:t>
                           </m:r>
                         </m:e>
                       </m:d>
@@ -8194,7 +8172,7 @@
             </p:txBody>
           </p:sp>
         </mc:Choice>
-        <mc:Fallback>
+        <mc:Fallback xmlns="">
           <p:sp>
             <p:nvSpPr>
               <p:cNvPr id="32" name="TextBox 31">
@@ -9510,7 +9488,7 @@
                 <a:effectLst/>
                 <a:latin typeface="Selawik Semibold" panose="020B0702040204020203" pitchFamily="34" charset="0"/>
               </a:rPr>
-              <a:t>Best Decision Maximizes the Expected Number of Points</a:t>
+              <a:t>Best Decision Maximizes the Expected Margin</a:t>
             </a:r>
           </a:p>
           <a:p>
@@ -10397,8 +10375,8 @@
           </a:p>
         </p:txBody>
       </p:sp>
-      <mc:AlternateContent xmlns:mc="http://schemas.openxmlformats.org/markup-compatibility/2006">
-        <mc:Choice xmlns:a14="http://schemas.microsoft.com/office/drawing/2010/main" Requires="a14">
+      <mc:AlternateContent xmlns:mc="http://schemas.openxmlformats.org/markup-compatibility/2006" xmlns:a14="http://schemas.microsoft.com/office/drawing/2010/main">
+        <mc:Choice Requires="a14">
           <p:sp>
             <p:nvSpPr>
               <p:cNvPr id="24" name="Content Placeholder 2">
@@ -10452,7 +10430,7 @@
                     <a:effectLst/>
                     <a:latin typeface="Selawik Semibold" panose="020B0702040204020203" pitchFamily="34" charset="0"/>
                   </a:rPr>
-                  <a:t> Examples of Expected Points Based on States</a:t>
+                  <a:t> Examples of Expected Margin Based on States</a:t>
                 </a:r>
               </a:p>
               <a:p>
@@ -11122,7 +11100,7 @@
             </p:txBody>
           </p:sp>
         </mc:Choice>
-        <mc:Fallback>
+        <mc:Fallback xmlns="">
           <p:sp>
             <p:nvSpPr>
               <p:cNvPr id="24" name="Content Placeholder 2">
@@ -11680,7 +11658,7 @@
                 <a:effectLst/>
                 <a:latin typeface="Selawik Semibold" panose="020B0702040204020203" pitchFamily="34" charset="0"/>
               </a:rPr>
-              <a:t>Evaluate Expected Points if Team Attempts to Get 1</a:t>
+              <a:t>Evaluate Expected Margin if Team Attempts to Get 1</a:t>
             </a:r>
             <a:r>
               <a:rPr lang="en-US" sz="2000" baseline="30000" dirty="0">
@@ -11917,7 +11895,7 @@
                 <a:effectLst/>
                 <a:latin typeface="Selawik Semibold" panose="020B0702040204020203" pitchFamily="34" charset="0"/>
               </a:rPr>
-              <a:t>Evaluate Expected Points if Team Attempts Field Goal</a:t>
+              <a:t>Evaluate Expected Margin if Team Attempts Field Goal</a:t>
             </a:r>
           </a:p>
           <a:p>
@@ -12279,8 +12257,8 @@
           </a:prstGeom>
         </p:spPr>
       </p:pic>
-      <mc:AlternateContent xmlns:mc="http://schemas.openxmlformats.org/markup-compatibility/2006">
-        <mc:Choice xmlns:a14="http://schemas.microsoft.com/office/drawing/2010/main" Requires="a14">
+      <mc:AlternateContent xmlns:mc="http://schemas.openxmlformats.org/markup-compatibility/2006" xmlns:a14="http://schemas.microsoft.com/office/drawing/2010/main">
+        <mc:Choice Requires="a14">
           <p:sp>
             <p:nvSpPr>
               <p:cNvPr id="2" name="TextBox 1">
@@ -12295,7 +12273,7 @@
             </p:nvSpPr>
             <p:spPr>
               <a:xfrm>
-                <a:off x="2574042" y="2334141"/>
+                <a:off x="2143061" y="2328651"/>
                 <a:ext cx="10189029" cy="400110"/>
               </a:xfrm>
               <a:prstGeom prst="rect">
@@ -12337,7 +12315,7 @@
                             <a:rPr lang="en-US" sz="2000" b="0" i="1" smtClean="0">
                               <a:latin typeface="Cambria Math" panose="02040503050406030204" pitchFamily="18" charset="0"/>
                             </a:rPr>
-                            <m:t>𝑃𝑜𝑖𝑛𝑡𝑠</m:t>
+                            <m:t>𝑀𝑎𝑟𝑔𝑖𝑛</m:t>
                           </m:r>
                         </m:e>
                         <m:e>
@@ -12423,7 +12401,7 @@
                             <a:rPr lang="en-US" sz="2000" b="0" i="1" smtClean="0">
                               <a:latin typeface="Cambria Math" panose="02040503050406030204" pitchFamily="18" charset="0"/>
                             </a:rPr>
-                            <m:t>𝑃𝑜𝑖𝑛𝑡𝑠</m:t>
+                            <m:t>𝑀𝑎𝑟𝑔𝑖𝑛</m:t>
                           </m:r>
                         </m:e>
                         <m:e>
@@ -12485,7 +12463,7 @@
                             <a:rPr lang="en-US" sz="2000" b="0" i="1" smtClean="0">
                               <a:latin typeface="Cambria Math" panose="02040503050406030204" pitchFamily="18" charset="0"/>
                             </a:rPr>
-                            <m:t>𝑃𝑜𝑖𝑛𝑡𝑠</m:t>
+                            <m:t>𝑀𝑎𝑟𝑔𝑖𝑛</m:t>
                           </m:r>
                         </m:e>
                         <m:e>
@@ -12505,7 +12483,7 @@
             </p:txBody>
           </p:sp>
         </mc:Choice>
-        <mc:Fallback>
+        <mc:Fallback xmlns="">
           <p:sp>
             <p:nvSpPr>
               <p:cNvPr id="2" name="TextBox 1">
@@ -12522,7 +12500,7 @@
             </p:nvSpPr>
             <p:spPr>
               <a:xfrm>
-                <a:off x="2574042" y="2334141"/>
+                <a:off x="2143061" y="2328651"/>
                 <a:ext cx="10189029" cy="400110"/>
               </a:xfrm>
               <a:prstGeom prst="rect">
@@ -12531,7 +12509,7 @@
               <a:blipFill>
                 <a:blip r:embed="rId7"/>
                 <a:stretch>
-                  <a:fillRect/>
+                  <a:fillRect b="-13636"/>
                 </a:stretch>
               </a:blipFill>
             </p:spPr>
@@ -12550,8 +12528,8 @@
           </p:sp>
         </mc:Fallback>
       </mc:AlternateContent>
-      <mc:AlternateContent xmlns:mc="http://schemas.openxmlformats.org/markup-compatibility/2006">
-        <mc:Choice xmlns:a14="http://schemas.microsoft.com/office/drawing/2010/main" Requires="a14">
+      <mc:AlternateContent xmlns:mc="http://schemas.openxmlformats.org/markup-compatibility/2006" xmlns:a14="http://schemas.microsoft.com/office/drawing/2010/main">
+        <mc:Choice Requires="a14">
           <p:sp>
             <p:nvSpPr>
               <p:cNvPr id="12" name="TextBox 11">
@@ -12566,7 +12544,7 @@
             </p:nvSpPr>
             <p:spPr>
               <a:xfrm>
-                <a:off x="4838082" y="2774113"/>
+                <a:off x="4526140" y="2746818"/>
                 <a:ext cx="10189029" cy="400110"/>
               </a:xfrm>
               <a:prstGeom prst="rect">
@@ -12700,7 +12678,7 @@
             </p:txBody>
           </p:sp>
         </mc:Choice>
-        <mc:Fallback>
+        <mc:Fallback xmlns="">
           <p:sp>
             <p:nvSpPr>
               <p:cNvPr id="12" name="TextBox 11">
@@ -12717,7 +12695,7 @@
             </p:nvSpPr>
             <p:spPr>
               <a:xfrm>
-                <a:off x="4838082" y="2774113"/>
+                <a:off x="4526140" y="2746818"/>
                 <a:ext cx="10189029" cy="400110"/>
               </a:xfrm>
               <a:prstGeom prst="rect">
@@ -12726,7 +12704,7 @@
               <a:blipFill>
                 <a:blip r:embed="rId8"/>
                 <a:stretch>
-                  <a:fillRect b="-16667"/>
+                  <a:fillRect b="-16923"/>
                 </a:stretch>
               </a:blipFill>
             </p:spPr>
@@ -12745,8 +12723,8 @@
           </p:sp>
         </mc:Fallback>
       </mc:AlternateContent>
-      <mc:AlternateContent xmlns:mc="http://schemas.openxmlformats.org/markup-compatibility/2006">
-        <mc:Choice xmlns:a14="http://schemas.microsoft.com/office/drawing/2010/main" Requires="a14">
+      <mc:AlternateContent xmlns:mc="http://schemas.openxmlformats.org/markup-compatibility/2006" xmlns:a14="http://schemas.microsoft.com/office/drawing/2010/main">
+        <mc:Choice Requires="a14">
           <p:sp>
             <p:nvSpPr>
               <p:cNvPr id="13" name="TextBox 12">
@@ -12761,7 +12739,7 @@
             </p:nvSpPr>
             <p:spPr>
               <a:xfrm>
-                <a:off x="2403888" y="4751365"/>
+                <a:off x="2127455" y="4784042"/>
                 <a:ext cx="10772746" cy="400110"/>
               </a:xfrm>
               <a:prstGeom prst="rect">
@@ -12818,7 +12796,7 @@
                               </a:solidFill>
                               <a:latin typeface="Cambria Math" panose="02040503050406030204" pitchFamily="18" charset="0"/>
                             </a:rPr>
-                            <m:t>𝑃𝑜𝑖𝑛𝑡𝑠</m:t>
+                            <m:t>𝑀𝑎𝑟𝑔𝑖𝑛</m:t>
                           </m:r>
                         </m:e>
                         <m:e>
@@ -12934,7 +12912,7 @@
                         </m:dPr>
                         <m:e>
                           <m:r>
-                            <a:rPr lang="en-US" sz="2000" b="0" i="1" smtClean="0">
+                            <a:rPr lang="en-US" sz="2000" i="1">
                               <a:solidFill>
                                 <a:schemeClr val="tx1">
                                   <a:lumMod val="95000"/>
@@ -12942,7 +12920,7 @@
                               </a:solidFill>
                               <a:latin typeface="Cambria Math" panose="02040503050406030204" pitchFamily="18" charset="0"/>
                             </a:rPr>
-                            <m:t>𝑃𝑜𝑖𝑛𝑡𝑠</m:t>
+                            <m:t>𝑀𝑎𝑟𝑔𝑖𝑛</m:t>
                           </m:r>
                         </m:e>
                         <m:e>
@@ -13036,7 +13014,7 @@
                         </m:dPr>
                         <m:e>
                           <m:r>
-                            <a:rPr lang="en-US" sz="2000" b="0" i="1" smtClean="0">
+                            <a:rPr lang="en-US" sz="2000" i="1">
                               <a:solidFill>
                                 <a:schemeClr val="tx1">
                                   <a:lumMod val="95000"/>
@@ -13044,7 +13022,7 @@
                               </a:solidFill>
                               <a:latin typeface="Cambria Math" panose="02040503050406030204" pitchFamily="18" charset="0"/>
                             </a:rPr>
-                            <m:t>𝑃𝑜𝑖𝑛𝑡𝑠</m:t>
+                            <m:t>𝑀𝑎𝑟𝑔𝑖𝑛</m:t>
                           </m:r>
                         </m:e>
                         <m:e>
@@ -13075,7 +13053,7 @@
             </p:txBody>
           </p:sp>
         </mc:Choice>
-        <mc:Fallback>
+        <mc:Fallback xmlns="">
           <p:sp>
             <p:nvSpPr>
               <p:cNvPr id="13" name="TextBox 12">
@@ -13092,7 +13070,7 @@
             </p:nvSpPr>
             <p:spPr>
               <a:xfrm>
-                <a:off x="2403888" y="4751365"/>
+                <a:off x="2127455" y="4784042"/>
                 <a:ext cx="10772746" cy="400110"/>
               </a:xfrm>
               <a:prstGeom prst="rect">
@@ -13101,7 +13079,7 @@
               <a:blipFill>
                 <a:blip r:embed="rId9"/>
                 <a:stretch>
-                  <a:fillRect/>
+                  <a:fillRect b="-15385"/>
                 </a:stretch>
               </a:blipFill>
             </p:spPr>
@@ -13267,8 +13245,8 @@
           </a:p>
         </p:txBody>
       </p:sp>
-      <mc:AlternateContent xmlns:mc="http://schemas.openxmlformats.org/markup-compatibility/2006">
-        <mc:Choice xmlns:a14="http://schemas.microsoft.com/office/drawing/2010/main" Requires="a14">
+      <mc:AlternateContent xmlns:mc="http://schemas.openxmlformats.org/markup-compatibility/2006" xmlns:a14="http://schemas.microsoft.com/office/drawing/2010/main">
+        <mc:Choice Requires="a14">
           <p:sp>
             <p:nvSpPr>
               <p:cNvPr id="23" name="TextBox 22">
@@ -13283,7 +13261,7 @@
             </p:nvSpPr>
             <p:spPr>
               <a:xfrm>
-                <a:off x="4825382" y="5138420"/>
+                <a:off x="4678172" y="5130570"/>
                 <a:ext cx="10772746" cy="400110"/>
               </a:xfrm>
               <a:prstGeom prst="rect">
@@ -13471,7 +13449,7 @@
             </p:txBody>
           </p:sp>
         </mc:Choice>
-        <mc:Fallback>
+        <mc:Fallback xmlns="">
           <p:sp>
             <p:nvSpPr>
               <p:cNvPr id="23" name="TextBox 22">
@@ -13488,7 +13466,7 @@
             </p:nvSpPr>
             <p:spPr>
               <a:xfrm>
-                <a:off x="4825382" y="5138420"/>
+                <a:off x="4678172" y="5130570"/>
                 <a:ext cx="10772746" cy="400110"/>
               </a:xfrm>
               <a:prstGeom prst="rect">
@@ -13497,7 +13475,7 @@
               <a:blipFill>
                 <a:blip r:embed="rId10"/>
                 <a:stretch>
-                  <a:fillRect b="-15152"/>
+                  <a:fillRect b="-16923"/>
                 </a:stretch>
               </a:blipFill>
             </p:spPr>
@@ -14595,8 +14573,8 @@
           </a:prstGeom>
         </p:spPr>
       </p:pic>
-      <mc:AlternateContent xmlns:mc="http://schemas.openxmlformats.org/markup-compatibility/2006">
-        <mc:Choice xmlns:a14="http://schemas.microsoft.com/office/drawing/2010/main" Requires="a14">
+      <mc:AlternateContent xmlns:mc="http://schemas.openxmlformats.org/markup-compatibility/2006" xmlns:a14="http://schemas.microsoft.com/office/drawing/2010/main">
+        <mc:Choice Requires="a14">
           <p:sp>
             <p:nvSpPr>
               <p:cNvPr id="22" name="TextBox 21">
@@ -14732,7 +14710,7 @@
             </p:txBody>
           </p:sp>
         </mc:Choice>
-        <mc:Fallback>
+        <mc:Fallback xmlns="">
           <p:sp>
             <p:nvSpPr>
               <p:cNvPr id="22" name="TextBox 21">
@@ -14865,8 +14843,8 @@
           </a:p>
         </p:txBody>
       </p:sp>
-      <mc:AlternateContent xmlns:mc="http://schemas.openxmlformats.org/markup-compatibility/2006">
-        <mc:Choice xmlns:a14="http://schemas.microsoft.com/office/drawing/2010/main" Requires="a14">
+      <mc:AlternateContent xmlns:mc="http://schemas.openxmlformats.org/markup-compatibility/2006" xmlns:a14="http://schemas.microsoft.com/office/drawing/2010/main">
+        <mc:Choice Requires="a14">
           <p:sp>
             <p:nvSpPr>
               <p:cNvPr id="31" name="TextBox 30">
@@ -15048,7 +15026,7 @@
             </p:txBody>
           </p:sp>
         </mc:Choice>
-        <mc:Fallback>
+        <mc:Fallback xmlns="">
           <p:sp>
             <p:nvSpPr>
               <p:cNvPr id="31" name="TextBox 30">
@@ -16317,7 +16295,7 @@
                 <a:effectLst/>
                 <a:latin typeface="Selawik Semibold" panose="020B0702040204020203" pitchFamily="34" charset="0"/>
               </a:rPr>
-              <a:t>Expected Points for States of Interest</a:t>
+              <a:t>Expected Margin for States of Interest</a:t>
             </a:r>
           </a:p>
           <a:p>
@@ -16476,7 +16454,7 @@
                 <a:effectLst/>
                 <a:latin typeface="Selawik Semibold" panose="020B0702040204020203" pitchFamily="34" charset="0"/>
               </a:rPr>
-              <a:t>Expected Points Under Field Goal</a:t>
+              <a:t>Expected Margin Under Field Goal</a:t>
             </a:r>
           </a:p>
           <a:p>
@@ -16770,8 +16748,8 @@
           </a:ln>
         </p:spPr>
       </p:pic>
-      <mc:AlternateContent xmlns:mc="http://schemas.openxmlformats.org/markup-compatibility/2006">
-        <mc:Choice xmlns:a14="http://schemas.microsoft.com/office/drawing/2010/main" Requires="a14">
+      <mc:AlternateContent xmlns:mc="http://schemas.openxmlformats.org/markup-compatibility/2006" xmlns:a14="http://schemas.microsoft.com/office/drawing/2010/main">
+        <mc:Choice Requires="a14">
           <p:sp>
             <p:nvSpPr>
               <p:cNvPr id="19" name="TextBox 18">
@@ -16891,7 +16869,7 @@
             </p:txBody>
           </p:sp>
         </mc:Choice>
-        <mc:Fallback>
+        <mc:Fallback xmlns="">
           <p:sp>
             <p:nvSpPr>
               <p:cNvPr id="19" name="TextBox 18">
@@ -16980,8 +16958,8 @@
           </a:fontRef>
         </p:style>
       </p:cxnSp>
-      <mc:AlternateContent xmlns:mc="http://schemas.openxmlformats.org/markup-compatibility/2006">
-        <mc:Choice xmlns:a14="http://schemas.microsoft.com/office/drawing/2010/main" Requires="a14">
+      <mc:AlternateContent xmlns:mc="http://schemas.openxmlformats.org/markup-compatibility/2006" xmlns:a14="http://schemas.microsoft.com/office/drawing/2010/main">
+        <mc:Choice Requires="a14">
           <p:sp>
             <p:nvSpPr>
               <p:cNvPr id="22" name="TextBox 21">
@@ -17214,17 +17192,15 @@
                 <a:endParaRPr lang="en-US" sz="2000" dirty="0"/>
               </a:p>
               <a:p>
-                <a:pPr/>
                 <a:endParaRPr lang="en-US" sz="2000" b="0" dirty="0"/>
               </a:p>
               <a:p>
-                <a:pPr/>
                 <a:endParaRPr lang="en-US" sz="2000" b="0" dirty="0"/>
               </a:p>
             </p:txBody>
           </p:sp>
         </mc:Choice>
-        <mc:Fallback>
+        <mc:Fallback xmlns="">
           <p:sp>
             <p:nvSpPr>
               <p:cNvPr id="22" name="TextBox 21">
@@ -17269,8 +17245,8 @@
           </p:sp>
         </mc:Fallback>
       </mc:AlternateContent>
-      <mc:AlternateContent xmlns:mc="http://schemas.openxmlformats.org/markup-compatibility/2006">
-        <mc:Choice xmlns:a14="http://schemas.microsoft.com/office/drawing/2010/main" Requires="a14">
+      <mc:AlternateContent xmlns:mc="http://schemas.openxmlformats.org/markup-compatibility/2006" xmlns:a14="http://schemas.microsoft.com/office/drawing/2010/main">
+        <mc:Choice Requires="a14">
           <p:sp>
             <p:nvSpPr>
               <p:cNvPr id="26" name="TextBox 25">
@@ -17369,7 +17345,7 @@
             </p:txBody>
           </p:sp>
         </mc:Choice>
-        <mc:Fallback>
+        <mc:Fallback xmlns="">
           <p:sp>
             <p:nvSpPr>
               <p:cNvPr id="26" name="TextBox 25">
@@ -18322,8 +18298,8 @@
           </a:prstGeom>
         </p:spPr>
       </p:pic>
-      <mc:AlternateContent xmlns:mc="http://schemas.openxmlformats.org/markup-compatibility/2006">
-        <mc:Choice xmlns:a14="http://schemas.microsoft.com/office/drawing/2010/main" Requires="a14">
+      <mc:AlternateContent xmlns:mc="http://schemas.openxmlformats.org/markup-compatibility/2006" xmlns:a14="http://schemas.microsoft.com/office/drawing/2010/main">
+        <mc:Choice Requires="a14">
           <p:sp>
             <p:nvSpPr>
               <p:cNvPr id="16" name="TextBox 15">
@@ -18484,7 +18460,7 @@
             </p:txBody>
           </p:sp>
         </mc:Choice>
-        <mc:Fallback>
+        <mc:Fallback xmlns="">
           <p:sp>
             <p:nvSpPr>
               <p:cNvPr id="16" name="TextBox 15">
@@ -18529,8 +18505,8 @@
           </p:sp>
         </mc:Fallback>
       </mc:AlternateContent>
-      <mc:AlternateContent xmlns:mc="http://schemas.openxmlformats.org/markup-compatibility/2006">
-        <mc:Choice xmlns:a14="http://schemas.microsoft.com/office/drawing/2010/main" Requires="a14">
+      <mc:AlternateContent xmlns:mc="http://schemas.openxmlformats.org/markup-compatibility/2006" xmlns:a14="http://schemas.microsoft.com/office/drawing/2010/main">
+        <mc:Choice Requires="a14">
           <p:sp>
             <p:nvSpPr>
               <p:cNvPr id="18" name="TextBox 17">
@@ -18673,7 +18649,7 @@
             </p:txBody>
           </p:sp>
         </mc:Choice>
-        <mc:Fallback>
+        <mc:Fallback xmlns="">
           <p:sp>
             <p:nvSpPr>
               <p:cNvPr id="18" name="TextBox 17">
@@ -18718,8 +18694,8 @@
           </p:sp>
         </mc:Fallback>
       </mc:AlternateContent>
-      <mc:AlternateContent xmlns:mc="http://schemas.openxmlformats.org/markup-compatibility/2006">
-        <mc:Choice xmlns:a14="http://schemas.microsoft.com/office/drawing/2010/main" Requires="a14">
+      <mc:AlternateContent xmlns:mc="http://schemas.openxmlformats.org/markup-compatibility/2006" xmlns:a14="http://schemas.microsoft.com/office/drawing/2010/main">
+        <mc:Choice Requires="a14">
           <p:sp>
             <p:nvSpPr>
               <p:cNvPr id="23" name="TextBox 22">
@@ -18822,7 +18798,7 @@
             </p:txBody>
           </p:sp>
         </mc:Choice>
-        <mc:Fallback>
+        <mc:Fallback xmlns="">
           <p:sp>
             <p:nvSpPr>
               <p:cNvPr id="23" name="TextBox 22">
@@ -18867,8 +18843,8 @@
           </p:sp>
         </mc:Fallback>
       </mc:AlternateContent>
-      <mc:AlternateContent xmlns:mc="http://schemas.openxmlformats.org/markup-compatibility/2006">
-        <mc:Choice xmlns:a14="http://schemas.microsoft.com/office/drawing/2010/main" Requires="a14">
+      <mc:AlternateContent xmlns:mc="http://schemas.openxmlformats.org/markup-compatibility/2006" xmlns:a14="http://schemas.microsoft.com/office/drawing/2010/main">
+        <mc:Choice Requires="a14">
           <p:sp>
             <p:nvSpPr>
               <p:cNvPr id="25" name="TextBox 24">
@@ -18965,7 +18941,7 @@
             </p:txBody>
           </p:sp>
         </mc:Choice>
-        <mc:Fallback>
+        <mc:Fallback xmlns="">
           <p:sp>
             <p:nvSpPr>
               <p:cNvPr id="25" name="TextBox 24">
@@ -19334,7 +19310,7 @@
                 <a:effectLst/>
                 <a:latin typeface="Selawik Semibold" panose="020B0702040204020203" pitchFamily="34" charset="0"/>
               </a:rPr>
-              <a:t>Evaluate Expected Points If We Punt</a:t>
+              <a:t>Evaluate Expected Margin If We Punt</a:t>
             </a:r>
           </a:p>
           <a:p>
@@ -19518,7 +19494,7 @@
                 <a:effectLst/>
                 <a:latin typeface="Selawik Semibold" panose="020B0702040204020203" pitchFamily="34" charset="0"/>
               </a:rPr>
-              <a:t>Evaluate Expected Points If We Go For It</a:t>
+              <a:t>Evaluate Expected Margin If We Go For It</a:t>
             </a:r>
           </a:p>
           <a:p>
@@ -19909,8 +19885,8 @@
           </a:prstGeom>
         </p:spPr>
       </p:pic>
-      <mc:AlternateContent xmlns:mc="http://schemas.openxmlformats.org/markup-compatibility/2006">
-        <mc:Choice xmlns:a14="http://schemas.microsoft.com/office/drawing/2010/main" Requires="a14">
+      <mc:AlternateContent xmlns:mc="http://schemas.openxmlformats.org/markup-compatibility/2006" xmlns:a14="http://schemas.microsoft.com/office/drawing/2010/main">
+        <mc:Choice Requires="a14">
           <p:sp>
             <p:nvSpPr>
               <p:cNvPr id="19" name="TextBox 18">
@@ -19967,7 +19943,7 @@
                             <a:rPr lang="en-US" sz="2000" b="0" i="1" smtClean="0">
                               <a:latin typeface="Cambria Math" panose="02040503050406030204" pitchFamily="18" charset="0"/>
                             </a:rPr>
-                            <m:t>𝑃𝑜𝑖𝑛𝑡𝑠</m:t>
+                            <m:t>𝑀𝑎𝑟𝑔𝑖𝑛</m:t>
                           </m:r>
                         </m:e>
                         <m:e>
@@ -20022,7 +19998,7 @@
             </p:txBody>
           </p:sp>
         </mc:Choice>
-        <mc:Fallback>
+        <mc:Fallback xmlns="">
           <p:sp>
             <p:nvSpPr>
               <p:cNvPr id="19" name="TextBox 18">
@@ -20048,7 +20024,7 @@
               <a:blipFill>
                 <a:blip r:embed="rId7"/>
                 <a:stretch>
-                  <a:fillRect/>
+                  <a:fillRect b="-15385"/>
                 </a:stretch>
               </a:blipFill>
             </p:spPr>
@@ -20067,8 +20043,8 @@
           </p:sp>
         </mc:Fallback>
       </mc:AlternateContent>
-      <mc:AlternateContent xmlns:mc="http://schemas.openxmlformats.org/markup-compatibility/2006">
-        <mc:Choice xmlns:a14="http://schemas.microsoft.com/office/drawing/2010/main" Requires="a14">
+      <mc:AlternateContent xmlns:mc="http://schemas.openxmlformats.org/markup-compatibility/2006" xmlns:a14="http://schemas.microsoft.com/office/drawing/2010/main">
+        <mc:Choice Requires="a14">
           <p:sp>
             <p:nvSpPr>
               <p:cNvPr id="20" name="TextBox 19">
@@ -20083,7 +20059,7 @@
             </p:nvSpPr>
             <p:spPr>
               <a:xfrm>
-                <a:off x="1104053" y="2738054"/>
+                <a:off x="1030094" y="2697636"/>
                 <a:ext cx="11087947" cy="400110"/>
               </a:xfrm>
               <a:prstGeom prst="rect">
@@ -20125,7 +20101,7 @@
                             <a:rPr lang="en-US" sz="2000" b="0" i="1" smtClean="0">
                               <a:latin typeface="Cambria Math" panose="02040503050406030204" pitchFamily="18" charset="0"/>
                             </a:rPr>
-                            <m:t>𝑃𝑜𝑖𝑛𝑡𝑠</m:t>
+                            <m:t>𝑀𝑎𝑟𝑔𝑖𝑛</m:t>
                           </m:r>
                         </m:e>
                         <m:e>
@@ -20326,7 +20302,7 @@
             </p:txBody>
           </p:sp>
         </mc:Choice>
-        <mc:Fallback>
+        <mc:Fallback xmlns="">
           <p:sp>
             <p:nvSpPr>
               <p:cNvPr id="20" name="TextBox 19">
@@ -20343,7 +20319,7 @@
             </p:nvSpPr>
             <p:spPr>
               <a:xfrm>
-                <a:off x="1104053" y="2738054"/>
+                <a:off x="1030094" y="2697636"/>
                 <a:ext cx="11087947" cy="400110"/>
               </a:xfrm>
               <a:prstGeom prst="rect">
@@ -20352,7 +20328,7 @@
               <a:blipFill>
                 <a:blip r:embed="rId8"/>
                 <a:stretch>
-                  <a:fillRect b="-16667"/>
+                  <a:fillRect b="-16923"/>
                 </a:stretch>
               </a:blipFill>
             </p:spPr>
@@ -20475,8 +20451,8 @@
           </a:p>
         </p:txBody>
       </p:sp>
-      <mc:AlternateContent xmlns:mc="http://schemas.openxmlformats.org/markup-compatibility/2006">
-        <mc:Choice xmlns:a14="http://schemas.microsoft.com/office/drawing/2010/main" Requires="a14">
+      <mc:AlternateContent xmlns:mc="http://schemas.openxmlformats.org/markup-compatibility/2006" xmlns:a14="http://schemas.microsoft.com/office/drawing/2010/main">
+        <mc:Choice Requires="a14">
           <p:sp>
             <p:nvSpPr>
               <p:cNvPr id="27" name="TextBox 26">
@@ -20533,7 +20509,7 @@
                             <a:rPr lang="en-US" sz="2000" b="0" i="1" smtClean="0">
                               <a:latin typeface="Cambria Math" panose="02040503050406030204" pitchFamily="18" charset="0"/>
                             </a:rPr>
-                            <m:t>𝑃𝑜𝑖𝑛𝑡𝑠</m:t>
+                            <m:t>𝑀𝑎𝑟𝑔𝑖𝑛</m:t>
                           </m:r>
                         </m:e>
                         <m:e>
@@ -20693,7 +20669,7 @@
             </p:txBody>
           </p:sp>
         </mc:Choice>
-        <mc:Fallback>
+        <mc:Fallback xmlns="">
           <p:sp>
             <p:nvSpPr>
               <p:cNvPr id="27" name="TextBox 26">
@@ -20719,7 +20695,7 @@
               <a:blipFill>
                 <a:blip r:embed="rId9"/>
                 <a:stretch>
-                  <a:fillRect/>
+                  <a:fillRect b="-15385"/>
                 </a:stretch>
               </a:blipFill>
             </p:spPr>

--- a/Slides/Football 4/Footballl_4_Lecture.pptx
+++ b/Slides/Football 4/Footballl_4_Lecture.pptx
@@ -219,7 +219,7 @@
           <a:p>
             <a:fld id="{C04E5E84-956F-4423-97B3-5936A6D8EEEE}" type="datetimeFigureOut">
               <a:rPr lang="en-US" smtClean="0"/>
-              <a:t>10/21/2020</a:t>
+              <a:t>4/7/2021</a:t>
             </a:fld>
             <a:endParaRPr lang="en-US"/>
           </a:p>
@@ -671,7 +671,7 @@
           <a:p>
             <a:fld id="{3881C039-66A3-4640-815B-3B5A8B7D868D}" type="datetimeFigureOut">
               <a:rPr lang="en-US" smtClean="0"/>
-              <a:t>10/21/2020</a:t>
+              <a:t>4/7/2021</a:t>
             </a:fld>
             <a:endParaRPr lang="en-US"/>
           </a:p>
@@ -969,7 +969,7 @@
           <a:p>
             <a:fld id="{3881C039-66A3-4640-815B-3B5A8B7D868D}" type="datetimeFigureOut">
               <a:rPr lang="en-US" smtClean="0"/>
-              <a:t>10/21/2020</a:t>
+              <a:t>4/7/2021</a:t>
             </a:fld>
             <a:endParaRPr lang="en-US"/>
           </a:p>
@@ -1161,7 +1161,7 @@
           <a:p>
             <a:fld id="{3881C039-66A3-4640-815B-3B5A8B7D868D}" type="datetimeFigureOut">
               <a:rPr lang="en-US" smtClean="0"/>
-              <a:t>10/21/2020</a:t>
+              <a:t>4/7/2021</a:t>
             </a:fld>
             <a:endParaRPr lang="en-US"/>
           </a:p>
@@ -1422,7 +1422,7 @@
           <a:p>
             <a:fld id="{3881C039-66A3-4640-815B-3B5A8B7D868D}" type="datetimeFigureOut">
               <a:rPr lang="en-US" smtClean="0"/>
-              <a:t>10/21/2020</a:t>
+              <a:t>4/7/2021</a:t>
             </a:fld>
             <a:endParaRPr lang="en-US"/>
           </a:p>
@@ -1846,7 +1846,7 @@
           <a:p>
             <a:fld id="{3881C039-66A3-4640-815B-3B5A8B7D868D}" type="datetimeFigureOut">
               <a:rPr lang="en-US" smtClean="0"/>
-              <a:t>10/21/2020</a:t>
+              <a:t>4/7/2021</a:t>
             </a:fld>
             <a:endParaRPr lang="en-US"/>
           </a:p>
@@ -2383,7 +2383,7 @@
           <a:p>
             <a:fld id="{3881C039-66A3-4640-815B-3B5A8B7D868D}" type="datetimeFigureOut">
               <a:rPr lang="en-US" smtClean="0"/>
-              <a:t>10/21/2020</a:t>
+              <a:t>4/7/2021</a:t>
             </a:fld>
             <a:endParaRPr lang="en-US"/>
           </a:p>
@@ -3247,7 +3247,7 @@
           <a:p>
             <a:fld id="{3881C039-66A3-4640-815B-3B5A8B7D868D}" type="datetimeFigureOut">
               <a:rPr lang="en-US" smtClean="0"/>
-              <a:t>10/21/2020</a:t>
+              <a:t>4/7/2021</a:t>
             </a:fld>
             <a:endParaRPr lang="en-US"/>
           </a:p>
@@ -3417,7 +3417,7 @@
           <a:p>
             <a:fld id="{3881C039-66A3-4640-815B-3B5A8B7D868D}" type="datetimeFigureOut">
               <a:rPr lang="en-US" smtClean="0"/>
-              <a:t>10/21/2020</a:t>
+              <a:t>4/7/2021</a:t>
             </a:fld>
             <a:endParaRPr lang="en-US"/>
           </a:p>
@@ -3601,7 +3601,7 @@
           <a:p>
             <a:fld id="{3881C039-66A3-4640-815B-3B5A8B7D868D}" type="datetimeFigureOut">
               <a:rPr lang="en-US" smtClean="0"/>
-              <a:t>10/21/2020</a:t>
+              <a:t>4/7/2021</a:t>
             </a:fld>
             <a:endParaRPr lang="en-US"/>
           </a:p>
@@ -3771,7 +3771,7 @@
           <a:p>
             <a:fld id="{3881C039-66A3-4640-815B-3B5A8B7D868D}" type="datetimeFigureOut">
               <a:rPr lang="en-US" smtClean="0"/>
-              <a:t>10/21/2020</a:t>
+              <a:t>4/7/2021</a:t>
             </a:fld>
             <a:endParaRPr lang="en-US"/>
           </a:p>
@@ -4015,7 +4015,7 @@
           <a:p>
             <a:fld id="{3881C039-66A3-4640-815B-3B5A8B7D868D}" type="datetimeFigureOut">
               <a:rPr lang="en-US" smtClean="0"/>
-              <a:t>10/21/2020</a:t>
+              <a:t>4/7/2021</a:t>
             </a:fld>
             <a:endParaRPr lang="en-US"/>
           </a:p>
@@ -4251,7 +4251,7 @@
           <a:p>
             <a:fld id="{3881C039-66A3-4640-815B-3B5A8B7D868D}" type="datetimeFigureOut">
               <a:rPr lang="en-US" smtClean="0"/>
-              <a:t>10/21/2020</a:t>
+              <a:t>4/7/2021</a:t>
             </a:fld>
             <a:endParaRPr lang="en-US"/>
           </a:p>
@@ -4717,7 +4717,7 @@
           <a:p>
             <a:fld id="{3881C039-66A3-4640-815B-3B5A8B7D868D}" type="datetimeFigureOut">
               <a:rPr lang="en-US" smtClean="0"/>
-              <a:t>10/21/2020</a:t>
+              <a:t>4/7/2021</a:t>
             </a:fld>
             <a:endParaRPr lang="en-US"/>
           </a:p>
@@ -4835,7 +4835,7 @@
           <a:p>
             <a:fld id="{3881C039-66A3-4640-815B-3B5A8B7D868D}" type="datetimeFigureOut">
               <a:rPr lang="en-US" smtClean="0"/>
-              <a:t>10/21/2020</a:t>
+              <a:t>4/7/2021</a:t>
             </a:fld>
             <a:endParaRPr lang="en-US"/>
           </a:p>
@@ -4930,7 +4930,7 @@
           <a:p>
             <a:fld id="{3881C039-66A3-4640-815B-3B5A8B7D868D}" type="datetimeFigureOut">
               <a:rPr lang="en-US" smtClean="0"/>
-              <a:t>10/21/2020</a:t>
+              <a:t>4/7/2021</a:t>
             </a:fld>
             <a:endParaRPr lang="en-US"/>
           </a:p>
@@ -5185,7 +5185,7 @@
           <a:p>
             <a:fld id="{3881C039-66A3-4640-815B-3B5A8B7D868D}" type="datetimeFigureOut">
               <a:rPr lang="en-US" smtClean="0"/>
-              <a:t>10/21/2020</a:t>
+              <a:t>4/7/2021</a:t>
             </a:fld>
             <a:endParaRPr lang="en-US"/>
           </a:p>
@@ -5485,7 +5485,7 @@
           <a:p>
             <a:fld id="{3881C039-66A3-4640-815B-3B5A8B7D868D}" type="datetimeFigureOut">
               <a:rPr lang="en-US" smtClean="0"/>
-              <a:t>10/21/2020</a:t>
+              <a:t>4/7/2021</a:t>
             </a:fld>
             <a:endParaRPr lang="en-US"/>
           </a:p>
@@ -5719,7 +5719,7 @@
           <a:p>
             <a:fld id="{3881C039-66A3-4640-815B-3B5A8B7D868D}" type="datetimeFigureOut">
               <a:rPr lang="en-US" smtClean="0"/>
-              <a:t>10/21/2020</a:t>
+              <a:t>4/7/2021</a:t>
             </a:fld>
             <a:endParaRPr lang="en-US"/>
           </a:p>
@@ -6542,8 +6542,31 @@
                 <a:effectLst/>
                 <a:latin typeface="Selawik Semibold" panose="020B0702040204020203" pitchFamily="34" charset="0"/>
               </a:rPr>
-              <a:t>Produced by Dr. Mario | UNC STOR 390</a:t>
+              <a:t>Produced by Dr. Mario | UNC </a:t>
             </a:r>
+            <a:r>
+              <a:rPr lang="en-US">
+                <a:ln>
+                  <a:noFill/>
+                </a:ln>
+                <a:solidFill>
+                  <a:srgbClr val="D34817"/>
+                </a:solidFill>
+                <a:effectLst/>
+                <a:latin typeface="Selawik Semibold" panose="020B0702040204020203" pitchFamily="34" charset="0"/>
+              </a:rPr>
+              <a:t>STOR 538</a:t>
+            </a:r>
+            <a:endParaRPr lang="en-US" dirty="0">
+              <a:ln>
+                <a:noFill/>
+              </a:ln>
+              <a:solidFill>
+                <a:srgbClr val="D34817"/>
+              </a:solidFill>
+              <a:effectLst/>
+              <a:latin typeface="Selawik Semibold" panose="020B0702040204020203" pitchFamily="34" charset="0"/>
+            </a:endParaRPr>
           </a:p>
         </p:txBody>
       </p:sp>
@@ -9817,7 +9840,7 @@
                           </a:solidFill>
                           <a:latin typeface="Cambria Math" panose="02040503050406030204" pitchFamily="18" charset="0"/>
                         </a:rPr>
-                        <m:t>𝑃𝑜𝑖𝑛𝑡𝑠</m:t>
+                        <m:t>𝑀𝑎𝑟𝑔𝑖𝑛</m:t>
                       </m:r>
                       <m:r>
                         <a:rPr lang="en-US" sz="2400" b="0" i="1" smtClean="0">

--- a/Slides/Football 4/Footballl_4_Lecture.pptx
+++ b/Slides/Football 4/Footballl_4_Lecture.pptx
@@ -219,7 +219,7 @@
           <a:p>
             <a:fld id="{C04E5E84-956F-4423-97B3-5936A6D8EEEE}" type="datetimeFigureOut">
               <a:rPr lang="en-US" smtClean="0"/>
-              <a:t>4/7/2021</a:t>
+              <a:t>4/9/2023</a:t>
             </a:fld>
             <a:endParaRPr lang="en-US"/>
           </a:p>
@@ -671,7 +671,7 @@
           <a:p>
             <a:fld id="{3881C039-66A3-4640-815B-3B5A8B7D868D}" type="datetimeFigureOut">
               <a:rPr lang="en-US" smtClean="0"/>
-              <a:t>4/7/2021</a:t>
+              <a:t>4/9/2023</a:t>
             </a:fld>
             <a:endParaRPr lang="en-US"/>
           </a:p>
@@ -969,7 +969,7 @@
           <a:p>
             <a:fld id="{3881C039-66A3-4640-815B-3B5A8B7D868D}" type="datetimeFigureOut">
               <a:rPr lang="en-US" smtClean="0"/>
-              <a:t>4/7/2021</a:t>
+              <a:t>4/9/2023</a:t>
             </a:fld>
             <a:endParaRPr lang="en-US"/>
           </a:p>
@@ -1161,7 +1161,7 @@
           <a:p>
             <a:fld id="{3881C039-66A3-4640-815B-3B5A8B7D868D}" type="datetimeFigureOut">
               <a:rPr lang="en-US" smtClean="0"/>
-              <a:t>4/7/2021</a:t>
+              <a:t>4/9/2023</a:t>
             </a:fld>
             <a:endParaRPr lang="en-US"/>
           </a:p>
@@ -1422,7 +1422,7 @@
           <a:p>
             <a:fld id="{3881C039-66A3-4640-815B-3B5A8B7D868D}" type="datetimeFigureOut">
               <a:rPr lang="en-US" smtClean="0"/>
-              <a:t>4/7/2021</a:t>
+              <a:t>4/9/2023</a:t>
             </a:fld>
             <a:endParaRPr lang="en-US"/>
           </a:p>
@@ -1846,7 +1846,7 @@
           <a:p>
             <a:fld id="{3881C039-66A3-4640-815B-3B5A8B7D868D}" type="datetimeFigureOut">
               <a:rPr lang="en-US" smtClean="0"/>
-              <a:t>4/7/2021</a:t>
+              <a:t>4/9/2023</a:t>
             </a:fld>
             <a:endParaRPr lang="en-US"/>
           </a:p>
@@ -2383,7 +2383,7 @@
           <a:p>
             <a:fld id="{3881C039-66A3-4640-815B-3B5A8B7D868D}" type="datetimeFigureOut">
               <a:rPr lang="en-US" smtClean="0"/>
-              <a:t>4/7/2021</a:t>
+              <a:t>4/9/2023</a:t>
             </a:fld>
             <a:endParaRPr lang="en-US"/>
           </a:p>
@@ -3247,7 +3247,7 @@
           <a:p>
             <a:fld id="{3881C039-66A3-4640-815B-3B5A8B7D868D}" type="datetimeFigureOut">
               <a:rPr lang="en-US" smtClean="0"/>
-              <a:t>4/7/2021</a:t>
+              <a:t>4/9/2023</a:t>
             </a:fld>
             <a:endParaRPr lang="en-US"/>
           </a:p>
@@ -3417,7 +3417,7 @@
           <a:p>
             <a:fld id="{3881C039-66A3-4640-815B-3B5A8B7D868D}" type="datetimeFigureOut">
               <a:rPr lang="en-US" smtClean="0"/>
-              <a:t>4/7/2021</a:t>
+              <a:t>4/9/2023</a:t>
             </a:fld>
             <a:endParaRPr lang="en-US"/>
           </a:p>
@@ -3601,7 +3601,7 @@
           <a:p>
             <a:fld id="{3881C039-66A3-4640-815B-3B5A8B7D868D}" type="datetimeFigureOut">
               <a:rPr lang="en-US" smtClean="0"/>
-              <a:t>4/7/2021</a:t>
+              <a:t>4/9/2023</a:t>
             </a:fld>
             <a:endParaRPr lang="en-US"/>
           </a:p>
@@ -3771,7 +3771,7 @@
           <a:p>
             <a:fld id="{3881C039-66A3-4640-815B-3B5A8B7D868D}" type="datetimeFigureOut">
               <a:rPr lang="en-US" smtClean="0"/>
-              <a:t>4/7/2021</a:t>
+              <a:t>4/9/2023</a:t>
             </a:fld>
             <a:endParaRPr lang="en-US"/>
           </a:p>
@@ -4015,7 +4015,7 @@
           <a:p>
             <a:fld id="{3881C039-66A3-4640-815B-3B5A8B7D868D}" type="datetimeFigureOut">
               <a:rPr lang="en-US" smtClean="0"/>
-              <a:t>4/7/2021</a:t>
+              <a:t>4/9/2023</a:t>
             </a:fld>
             <a:endParaRPr lang="en-US"/>
           </a:p>
@@ -4251,7 +4251,7 @@
           <a:p>
             <a:fld id="{3881C039-66A3-4640-815B-3B5A8B7D868D}" type="datetimeFigureOut">
               <a:rPr lang="en-US" smtClean="0"/>
-              <a:t>4/7/2021</a:t>
+              <a:t>4/9/2023</a:t>
             </a:fld>
             <a:endParaRPr lang="en-US"/>
           </a:p>
@@ -4717,7 +4717,7 @@
           <a:p>
             <a:fld id="{3881C039-66A3-4640-815B-3B5A8B7D868D}" type="datetimeFigureOut">
               <a:rPr lang="en-US" smtClean="0"/>
-              <a:t>4/7/2021</a:t>
+              <a:t>4/9/2023</a:t>
             </a:fld>
             <a:endParaRPr lang="en-US"/>
           </a:p>
@@ -4835,7 +4835,7 @@
           <a:p>
             <a:fld id="{3881C039-66A3-4640-815B-3B5A8B7D868D}" type="datetimeFigureOut">
               <a:rPr lang="en-US" smtClean="0"/>
-              <a:t>4/7/2021</a:t>
+              <a:t>4/9/2023</a:t>
             </a:fld>
             <a:endParaRPr lang="en-US"/>
           </a:p>
@@ -4930,7 +4930,7 @@
           <a:p>
             <a:fld id="{3881C039-66A3-4640-815B-3B5A8B7D868D}" type="datetimeFigureOut">
               <a:rPr lang="en-US" smtClean="0"/>
-              <a:t>4/7/2021</a:t>
+              <a:t>4/9/2023</a:t>
             </a:fld>
             <a:endParaRPr lang="en-US"/>
           </a:p>
@@ -5185,7 +5185,7 @@
           <a:p>
             <a:fld id="{3881C039-66A3-4640-815B-3B5A8B7D868D}" type="datetimeFigureOut">
               <a:rPr lang="en-US" smtClean="0"/>
-              <a:t>4/7/2021</a:t>
+              <a:t>4/9/2023</a:t>
             </a:fld>
             <a:endParaRPr lang="en-US"/>
           </a:p>
@@ -5485,7 +5485,7 @@
           <a:p>
             <a:fld id="{3881C039-66A3-4640-815B-3B5A8B7D868D}" type="datetimeFigureOut">
               <a:rPr lang="en-US" smtClean="0"/>
-              <a:t>4/7/2021</a:t>
+              <a:t>4/9/2023</a:t>
             </a:fld>
             <a:endParaRPr lang="en-US"/>
           </a:p>
@@ -5719,7 +5719,7 @@
           <a:p>
             <a:fld id="{3881C039-66A3-4640-815B-3B5A8B7D868D}" type="datetimeFigureOut">
               <a:rPr lang="en-US" smtClean="0"/>
-              <a:t>4/7/2021</a:t>
+              <a:t>4/9/2023</a:t>
             </a:fld>
             <a:endParaRPr lang="en-US"/>
           </a:p>
@@ -15409,7 +15409,322 @@
                 <a:effectLst/>
                 <a:latin typeface="Selawik Semibold" panose="020B0702040204020203" pitchFamily="34" charset="0"/>
               </a:rPr>
-              <a:t>Raw Aggregated Data From 2006</a:t>
+              <a:t>Data From 2017</a:t>
+            </a:r>
+          </a:p>
+          <a:p>
+            <a:pPr marL="683100" lvl="2" indent="0">
+              <a:spcBef>
+                <a:spcPts val="0"/>
+              </a:spcBef>
+              <a:spcAft>
+                <a:spcPts val="0"/>
+              </a:spcAft>
+              <a:buClr>
+                <a:srgbClr val="D34817"/>
+              </a:buClr>
+              <a:buSzPct val="100000"/>
+              <a:buFont typeface="Wingdings" panose="05000000000000000000" pitchFamily="2" charset="2"/>
+              <a:buChar char="v"/>
+            </a:pPr>
+            <a:endParaRPr lang="en-US" sz="1800" dirty="0">
+              <a:solidFill>
+                <a:schemeClr val="bg2">
+                  <a:lumMod val="10000"/>
+                  <a:lumOff val="90000"/>
+                </a:schemeClr>
+              </a:solidFill>
+              <a:effectLst/>
+              <a:latin typeface="Selawik Semibold" panose="020B0702040204020203" pitchFamily="34" charset="0"/>
+            </a:endParaRPr>
+          </a:p>
+          <a:p>
+            <a:pPr marL="683100" lvl="2" indent="0">
+              <a:spcBef>
+                <a:spcPts val="0"/>
+              </a:spcBef>
+              <a:spcAft>
+                <a:spcPts val="0"/>
+              </a:spcAft>
+              <a:buClr>
+                <a:srgbClr val="D34817"/>
+              </a:buClr>
+              <a:buSzPct val="100000"/>
+              <a:buFont typeface="Wingdings" panose="05000000000000000000" pitchFamily="2" charset="2"/>
+              <a:buChar char="v"/>
+            </a:pPr>
+            <a:endParaRPr lang="en-US" sz="1800" dirty="0">
+              <a:solidFill>
+                <a:schemeClr val="bg2">
+                  <a:lumMod val="10000"/>
+                  <a:lumOff val="90000"/>
+                </a:schemeClr>
+              </a:solidFill>
+              <a:effectLst/>
+              <a:latin typeface="Selawik Semibold" panose="020B0702040204020203" pitchFamily="34" charset="0"/>
+            </a:endParaRPr>
+          </a:p>
+          <a:p>
+            <a:pPr marL="683100" lvl="2" indent="0">
+              <a:spcBef>
+                <a:spcPts val="0"/>
+              </a:spcBef>
+              <a:spcAft>
+                <a:spcPts val="0"/>
+              </a:spcAft>
+              <a:buClr>
+                <a:srgbClr val="D34817"/>
+              </a:buClr>
+              <a:buSzPct val="100000"/>
+              <a:buFont typeface="Wingdings" panose="05000000000000000000" pitchFamily="2" charset="2"/>
+              <a:buChar char="v"/>
+            </a:pPr>
+            <a:endParaRPr lang="en-US" sz="1800" dirty="0">
+              <a:solidFill>
+                <a:schemeClr val="bg2">
+                  <a:lumMod val="10000"/>
+                  <a:lumOff val="90000"/>
+                </a:schemeClr>
+              </a:solidFill>
+              <a:effectLst/>
+              <a:latin typeface="Selawik Semibold" panose="020B0702040204020203" pitchFamily="34" charset="0"/>
+            </a:endParaRPr>
+          </a:p>
+          <a:p>
+            <a:pPr marL="683100" lvl="2" indent="0">
+              <a:spcBef>
+                <a:spcPts val="0"/>
+              </a:spcBef>
+              <a:spcAft>
+                <a:spcPts val="0"/>
+              </a:spcAft>
+              <a:buClr>
+                <a:srgbClr val="D34817"/>
+              </a:buClr>
+              <a:buSzPct val="100000"/>
+              <a:buFont typeface="Wingdings" panose="05000000000000000000" pitchFamily="2" charset="2"/>
+              <a:buChar char="v"/>
+            </a:pPr>
+            <a:endParaRPr lang="en-US" sz="1800" dirty="0">
+              <a:solidFill>
+                <a:schemeClr val="bg2">
+                  <a:lumMod val="10000"/>
+                  <a:lumOff val="90000"/>
+                </a:schemeClr>
+              </a:solidFill>
+              <a:effectLst/>
+              <a:latin typeface="Selawik Semibold" panose="020B0702040204020203" pitchFamily="34" charset="0"/>
+            </a:endParaRPr>
+          </a:p>
+          <a:p>
+            <a:pPr marL="683100" lvl="2" indent="0">
+              <a:spcBef>
+                <a:spcPts val="0"/>
+              </a:spcBef>
+              <a:spcAft>
+                <a:spcPts val="0"/>
+              </a:spcAft>
+              <a:buClr>
+                <a:srgbClr val="D34817"/>
+              </a:buClr>
+              <a:buSzPct val="100000"/>
+              <a:buFont typeface="Wingdings" panose="05000000000000000000" pitchFamily="2" charset="2"/>
+              <a:buChar char="v"/>
+            </a:pPr>
+            <a:endParaRPr lang="en-US" sz="1800" dirty="0">
+              <a:solidFill>
+                <a:schemeClr val="bg2">
+                  <a:lumMod val="10000"/>
+                  <a:lumOff val="90000"/>
+                </a:schemeClr>
+              </a:solidFill>
+              <a:effectLst/>
+              <a:latin typeface="Selawik Semibold" panose="020B0702040204020203" pitchFamily="34" charset="0"/>
+            </a:endParaRPr>
+          </a:p>
+          <a:p>
+            <a:pPr marL="683100" lvl="2" indent="0">
+              <a:spcBef>
+                <a:spcPts val="0"/>
+              </a:spcBef>
+              <a:spcAft>
+                <a:spcPts val="0"/>
+              </a:spcAft>
+              <a:buClr>
+                <a:srgbClr val="D34817"/>
+              </a:buClr>
+              <a:buSzPct val="100000"/>
+              <a:buFont typeface="Wingdings" panose="05000000000000000000" pitchFamily="2" charset="2"/>
+              <a:buChar char="v"/>
+            </a:pPr>
+            <a:endParaRPr lang="en-US" sz="1800" dirty="0">
+              <a:solidFill>
+                <a:schemeClr val="bg2">
+                  <a:lumMod val="10000"/>
+                  <a:lumOff val="90000"/>
+                </a:schemeClr>
+              </a:solidFill>
+              <a:effectLst/>
+              <a:latin typeface="Selawik Semibold" panose="020B0702040204020203" pitchFamily="34" charset="0"/>
+            </a:endParaRPr>
+          </a:p>
+          <a:p>
+            <a:pPr marL="683100" lvl="2" indent="0">
+              <a:spcBef>
+                <a:spcPts val="0"/>
+              </a:spcBef>
+              <a:spcAft>
+                <a:spcPts val="0"/>
+              </a:spcAft>
+              <a:buClr>
+                <a:srgbClr val="D34817"/>
+              </a:buClr>
+              <a:buSzPct val="100000"/>
+              <a:buFont typeface="Wingdings" panose="05000000000000000000" pitchFamily="2" charset="2"/>
+              <a:buChar char="v"/>
+            </a:pPr>
+            <a:endParaRPr lang="en-US" sz="1800" dirty="0">
+              <a:solidFill>
+                <a:schemeClr val="bg2">
+                  <a:lumMod val="10000"/>
+                  <a:lumOff val="90000"/>
+                </a:schemeClr>
+              </a:solidFill>
+              <a:effectLst/>
+              <a:latin typeface="Selawik Semibold" panose="020B0702040204020203" pitchFamily="34" charset="0"/>
+            </a:endParaRPr>
+          </a:p>
+          <a:p>
+            <a:pPr marL="683100" lvl="2" indent="0">
+              <a:spcBef>
+                <a:spcPts val="0"/>
+              </a:spcBef>
+              <a:spcAft>
+                <a:spcPts val="0"/>
+              </a:spcAft>
+              <a:buClr>
+                <a:srgbClr val="D34817"/>
+              </a:buClr>
+              <a:buSzPct val="100000"/>
+              <a:buFont typeface="Wingdings" panose="05000000000000000000" pitchFamily="2" charset="2"/>
+              <a:buChar char="v"/>
+            </a:pPr>
+            <a:endParaRPr lang="en-US" sz="1800" dirty="0">
+              <a:solidFill>
+                <a:schemeClr val="bg2">
+                  <a:lumMod val="10000"/>
+                  <a:lumOff val="90000"/>
+                </a:schemeClr>
+              </a:solidFill>
+              <a:effectLst/>
+              <a:latin typeface="Selawik Semibold" panose="020B0702040204020203" pitchFamily="34" charset="0"/>
+            </a:endParaRPr>
+          </a:p>
+          <a:p>
+            <a:pPr marL="683100" lvl="2" indent="0">
+              <a:spcBef>
+                <a:spcPts val="0"/>
+              </a:spcBef>
+              <a:spcAft>
+                <a:spcPts val="0"/>
+              </a:spcAft>
+              <a:buClr>
+                <a:srgbClr val="D34817"/>
+              </a:buClr>
+              <a:buSzPct val="100000"/>
+              <a:buFont typeface="Wingdings" panose="05000000000000000000" pitchFamily="2" charset="2"/>
+              <a:buChar char="v"/>
+            </a:pPr>
+            <a:endParaRPr lang="en-US" sz="1800" dirty="0">
+              <a:solidFill>
+                <a:schemeClr val="bg2">
+                  <a:lumMod val="10000"/>
+                  <a:lumOff val="90000"/>
+                </a:schemeClr>
+              </a:solidFill>
+              <a:effectLst/>
+              <a:latin typeface="Selawik Semibold" panose="020B0702040204020203" pitchFamily="34" charset="0"/>
+            </a:endParaRPr>
+          </a:p>
+          <a:p>
+            <a:pPr marL="683100" lvl="2" indent="0">
+              <a:spcBef>
+                <a:spcPts val="0"/>
+              </a:spcBef>
+              <a:spcAft>
+                <a:spcPts val="0"/>
+              </a:spcAft>
+              <a:buClr>
+                <a:srgbClr val="D34817"/>
+              </a:buClr>
+              <a:buSzPct val="100000"/>
+              <a:buFont typeface="Wingdings" panose="05000000000000000000" pitchFamily="2" charset="2"/>
+              <a:buChar char="v"/>
+            </a:pPr>
+            <a:endParaRPr lang="en-US" sz="1800" dirty="0">
+              <a:solidFill>
+                <a:schemeClr val="bg2">
+                  <a:lumMod val="10000"/>
+                  <a:lumOff val="90000"/>
+                </a:schemeClr>
+              </a:solidFill>
+              <a:effectLst/>
+              <a:latin typeface="Selawik Semibold" panose="020B0702040204020203" pitchFamily="34" charset="0"/>
+            </a:endParaRPr>
+          </a:p>
+          <a:p>
+            <a:pPr marL="683100" lvl="2" indent="0">
+              <a:spcBef>
+                <a:spcPts val="0"/>
+              </a:spcBef>
+              <a:spcAft>
+                <a:spcPts val="0"/>
+              </a:spcAft>
+              <a:buClr>
+                <a:srgbClr val="D34817"/>
+              </a:buClr>
+              <a:buSzPct val="100000"/>
+              <a:buFont typeface="Wingdings" panose="05000000000000000000" pitchFamily="2" charset="2"/>
+              <a:buChar char="v"/>
+            </a:pPr>
+            <a:endParaRPr lang="en-US" sz="1800" dirty="0">
+              <a:solidFill>
+                <a:schemeClr val="bg2">
+                  <a:lumMod val="10000"/>
+                  <a:lumOff val="90000"/>
+                </a:schemeClr>
+              </a:solidFill>
+              <a:effectLst/>
+              <a:latin typeface="Selawik Semibold" panose="020B0702040204020203" pitchFamily="34" charset="0"/>
+            </a:endParaRPr>
+          </a:p>
+          <a:p>
+            <a:pPr marL="683100" lvl="2" indent="0">
+              <a:spcBef>
+                <a:spcPts val="0"/>
+              </a:spcBef>
+              <a:spcAft>
+                <a:spcPts val="0"/>
+              </a:spcAft>
+              <a:buClr>
+                <a:srgbClr val="D34817"/>
+              </a:buClr>
+              <a:buSzPct val="100000"/>
+              <a:buFont typeface="Wingdings" panose="05000000000000000000" pitchFamily="2" charset="2"/>
+              <a:buChar char="v"/>
+            </a:pPr>
+            <a:r>
+              <a:rPr lang="en-US" sz="1800" dirty="0">
+                <a:solidFill>
+                  <a:schemeClr val="bg2">
+                    <a:lumMod val="10000"/>
+                    <a:lumOff val="90000"/>
+                  </a:schemeClr>
+                </a:solidFill>
+                <a:effectLst/>
+                <a:latin typeface="Selawik Semibold" panose="020B0702040204020203" pitchFamily="34" charset="0"/>
+              </a:rPr>
+              <a:t>Estimated Model: </a:t>
             </a:r>
           </a:p>
         </p:txBody>
@@ -15642,12 +15957,56 @@
           </a:prstGeom>
         </p:spPr>
       </p:pic>
+      <p:sp>
+        <p:nvSpPr>
+          <p:cNvPr id="23" name="TextBox 22">
+            <a:extLst>
+              <a:ext uri="{FF2B5EF4-FFF2-40B4-BE49-F238E27FC236}">
+                <a16:creationId xmlns:a16="http://schemas.microsoft.com/office/drawing/2014/main" id="{168F47A2-CAC9-4B86-8CD8-83931B61FE56}"/>
+              </a:ext>
+            </a:extLst>
+          </p:cNvPr>
+          <p:cNvSpPr txBox="1"/>
+          <p:nvPr/>
+        </p:nvSpPr>
+        <p:spPr>
+          <a:xfrm>
+            <a:off x="6791959" y="2526063"/>
+            <a:ext cx="2660050" cy="1015663"/>
+          </a:xfrm>
+          <a:prstGeom prst="rect">
+            <a:avLst/>
+          </a:prstGeom>
+          <a:noFill/>
+        </p:spPr>
+        <p:txBody>
+          <a:bodyPr wrap="square" rtlCol="0">
+            <a:spAutoFit/>
+          </a:bodyPr>
+          <a:lstStyle/>
+          <a:p>
+            <a:r>
+              <a:rPr lang="en-US" sz="2000" dirty="0">
+                <a:solidFill>
+                  <a:schemeClr val="bg2">
+                    <a:lumMod val="10000"/>
+                    <a:lumOff val="90000"/>
+                  </a:schemeClr>
+                </a:solidFill>
+                <a:latin typeface="Calibri" panose="020F0502020204030204" pitchFamily="34" charset="0"/>
+                <a:cs typeface="Calibri" panose="020F0502020204030204" pitchFamily="34" charset="0"/>
+              </a:rPr>
+              <a:t>Logistic Regression Smooths This Relationship?</a:t>
+            </a:r>
+          </a:p>
+        </p:txBody>
+      </p:sp>
       <p:pic>
         <p:nvPicPr>
-          <p:cNvPr id="2" name="Picture 1">
+          <p:cNvPr id="7" name="Picture 6">
             <a:extLst>
               <a:ext uri="{FF2B5EF4-FFF2-40B4-BE49-F238E27FC236}">
-                <a16:creationId xmlns:a16="http://schemas.microsoft.com/office/drawing/2014/main" id="{9C5FF4DE-FA31-46F5-BC33-EEB360A41680}"/>
+                <a16:creationId xmlns:a16="http://schemas.microsoft.com/office/drawing/2014/main" id="{DFC2DD9B-03BC-CFD1-B14B-350DD3D5FBBE}"/>
               </a:ext>
             </a:extLst>
           </p:cNvPr>
@@ -15664,238 +16023,208 @@
         </p:blipFill>
         <p:spPr>
           <a:xfrm>
-            <a:off x="3302000" y="2601264"/>
-            <a:ext cx="4289302" cy="2322447"/>
+            <a:off x="3302484" y="2560439"/>
+            <a:ext cx="3409950" cy="2733675"/>
           </a:xfrm>
           <a:prstGeom prst="rect">
             <a:avLst/>
           </a:prstGeom>
-          <a:ln w="38100">
+          <a:ln w="28575">
             <a:solidFill>
               <a:srgbClr val="D34817"/>
             </a:solidFill>
           </a:ln>
         </p:spPr>
       </p:pic>
-      <p:pic>
-        <p:nvPicPr>
-          <p:cNvPr id="3" name="Picture 2">
-            <a:extLst>
-              <a:ext uri="{FF2B5EF4-FFF2-40B4-BE49-F238E27FC236}">
-                <a16:creationId xmlns:a16="http://schemas.microsoft.com/office/drawing/2014/main" id="{A90D89FB-8696-46B9-8A7D-810E781236DF}"/>
-              </a:ext>
-            </a:extLst>
-          </p:cNvPr>
-          <p:cNvPicPr>
-            <a:picLocks noChangeAspect="1"/>
-          </p:cNvPicPr>
-          <p:nvPr/>
-        </p:nvPicPr>
-        <p:blipFill>
-          <a:blip r:embed="rId8"/>
-          <a:stretch>
-            <a:fillRect/>
-          </a:stretch>
-        </p:blipFill>
-        <p:spPr>
-          <a:xfrm>
-            <a:off x="7747000" y="2897691"/>
-            <a:ext cx="4289302" cy="1785937"/>
-          </a:xfrm>
-          <a:prstGeom prst="rect">
-            <a:avLst/>
-          </a:prstGeom>
-          <a:ln w="38100">
-            <a:solidFill>
-              <a:srgbClr val="D34817"/>
-            </a:solidFill>
-          </a:ln>
-        </p:spPr>
-      </p:pic>
-      <p:sp>
-        <p:nvSpPr>
-          <p:cNvPr id="5" name="Rectangle 4">
-            <a:extLst>
-              <a:ext uri="{FF2B5EF4-FFF2-40B4-BE49-F238E27FC236}">
-                <a16:creationId xmlns:a16="http://schemas.microsoft.com/office/drawing/2014/main" id="{72A4167A-2B4F-4529-9899-B8F962FA616F}"/>
-              </a:ext>
-            </a:extLst>
-          </p:cNvPr>
-          <p:cNvSpPr/>
-          <p:nvPr/>
-        </p:nvSpPr>
-        <p:spPr>
-          <a:xfrm>
-            <a:off x="6931350" y="3528364"/>
-            <a:ext cx="536252" cy="1265886"/>
-          </a:xfrm>
-          <a:prstGeom prst="rect">
-            <a:avLst/>
-          </a:prstGeom>
-          <a:noFill/>
-          <a:ln w="38100">
-            <a:solidFill>
-              <a:srgbClr val="D34817"/>
-            </a:solidFill>
-          </a:ln>
-        </p:spPr>
-        <p:style>
-          <a:lnRef idx="2">
-            <a:schemeClr val="accent1">
-              <a:shade val="50000"/>
-            </a:schemeClr>
-          </a:lnRef>
-          <a:fillRef idx="1">
-            <a:schemeClr val="accent1"/>
-          </a:fillRef>
-          <a:effectRef idx="0">
-            <a:schemeClr val="accent1"/>
-          </a:effectRef>
-          <a:fontRef idx="minor">
-            <a:schemeClr val="lt1"/>
-          </a:fontRef>
-        </p:style>
-        <p:txBody>
-          <a:bodyPr rtlCol="0" anchor="ctr"/>
-          <a:lstStyle/>
-          <a:p>
-            <a:pPr algn="ctr"/>
-            <a:endParaRPr lang="en-US"/>
-          </a:p>
-        </p:txBody>
-      </p:sp>
-      <p:cxnSp>
-        <p:nvCxnSpPr>
-          <p:cNvPr id="18" name="Straight Arrow Connector 17">
-            <a:extLst>
-              <a:ext uri="{FF2B5EF4-FFF2-40B4-BE49-F238E27FC236}">
-                <a16:creationId xmlns:a16="http://schemas.microsoft.com/office/drawing/2014/main" id="{4C2F6248-A20B-4EFF-BE72-A879D0B9FD6C}"/>
-              </a:ext>
-            </a:extLst>
-          </p:cNvPr>
-          <p:cNvCxnSpPr>
-            <a:cxnSpLocks/>
-          </p:cNvCxnSpPr>
-          <p:nvPr/>
-        </p:nvCxnSpPr>
-        <p:spPr>
-          <a:xfrm>
-            <a:off x="7199476" y="4794250"/>
-            <a:ext cx="0" cy="692150"/>
-          </a:xfrm>
-          <a:prstGeom prst="straightConnector1">
-            <a:avLst/>
-          </a:prstGeom>
-          <a:ln w="38100">
-            <a:solidFill>
-              <a:srgbClr val="D34817"/>
-            </a:solidFill>
-            <a:tailEnd type="triangle"/>
-          </a:ln>
-        </p:spPr>
-        <p:style>
-          <a:lnRef idx="1">
-            <a:schemeClr val="accent1"/>
-          </a:lnRef>
-          <a:fillRef idx="0">
-            <a:schemeClr val="accent1"/>
-          </a:fillRef>
-          <a:effectRef idx="0">
-            <a:schemeClr val="accent1"/>
-          </a:effectRef>
-          <a:fontRef idx="minor">
-            <a:schemeClr val="tx1"/>
-          </a:fontRef>
-        </p:style>
-      </p:cxnSp>
-      <p:sp>
-        <p:nvSpPr>
-          <p:cNvPr id="23" name="TextBox 22">
-            <a:extLst>
-              <a:ext uri="{FF2B5EF4-FFF2-40B4-BE49-F238E27FC236}">
-                <a16:creationId xmlns:a16="http://schemas.microsoft.com/office/drawing/2014/main" id="{168F47A2-CAC9-4B86-8CD8-83931B61FE56}"/>
-              </a:ext>
-            </a:extLst>
-          </p:cNvPr>
-          <p:cNvSpPr txBox="1"/>
-          <p:nvPr/>
-        </p:nvSpPr>
-        <p:spPr>
-          <a:xfrm>
-            <a:off x="6712434" y="5549404"/>
-            <a:ext cx="5162037" cy="400110"/>
-          </a:xfrm>
-          <a:prstGeom prst="rect">
-            <a:avLst/>
-          </a:prstGeom>
-          <a:noFill/>
-        </p:spPr>
-        <p:txBody>
-          <a:bodyPr wrap="square" rtlCol="0">
-            <a:spAutoFit/>
-          </a:bodyPr>
-          <a:lstStyle/>
-          <a:p>
-            <a:r>
-              <a:rPr lang="en-US" sz="2000" dirty="0">
-                <a:solidFill>
-                  <a:schemeClr val="bg2">
-                    <a:lumMod val="10000"/>
-                    <a:lumOff val="90000"/>
-                  </a:schemeClr>
-                </a:solidFill>
-                <a:latin typeface="Calibri" panose="020F0502020204030204" pitchFamily="34" charset="0"/>
-                <a:cs typeface="Calibri" panose="020F0502020204030204" pitchFamily="34" charset="0"/>
-              </a:rPr>
-              <a:t>Logistic Regression Smooths This Relationship?</a:t>
-            </a:r>
-          </a:p>
-        </p:txBody>
-      </p:sp>
-      <p:cxnSp>
-        <p:nvCxnSpPr>
-          <p:cNvPr id="25" name="Straight Arrow Connector 24">
-            <a:extLst>
-              <a:ext uri="{FF2B5EF4-FFF2-40B4-BE49-F238E27FC236}">
-                <a16:creationId xmlns:a16="http://schemas.microsoft.com/office/drawing/2014/main" id="{8CD10698-FBFC-4A9A-B734-074E4D2B61C7}"/>
-              </a:ext>
-            </a:extLst>
-          </p:cNvPr>
-          <p:cNvCxnSpPr>
-            <a:cxnSpLocks/>
-          </p:cNvCxnSpPr>
-          <p:nvPr/>
-        </p:nvCxnSpPr>
-        <p:spPr>
-          <a:xfrm>
-            <a:off x="10507826" y="3359150"/>
-            <a:ext cx="0" cy="2235200"/>
-          </a:xfrm>
-          <a:prstGeom prst="straightConnector1">
-            <a:avLst/>
-          </a:prstGeom>
-          <a:ln w="38100">
-            <a:solidFill>
-              <a:srgbClr val="D34817"/>
-            </a:solidFill>
-            <a:tailEnd type="triangle"/>
-          </a:ln>
-        </p:spPr>
-        <p:style>
-          <a:lnRef idx="1">
-            <a:schemeClr val="accent1"/>
-          </a:lnRef>
-          <a:fillRef idx="0">
-            <a:schemeClr val="accent1"/>
-          </a:fillRef>
-          <a:effectRef idx="0">
-            <a:schemeClr val="accent1"/>
-          </a:effectRef>
-          <a:fontRef idx="minor">
-            <a:schemeClr val="tx1"/>
-          </a:fontRef>
-        </p:style>
-      </p:cxnSp>
+      <mc:AlternateContent xmlns:mc="http://schemas.openxmlformats.org/markup-compatibility/2006">
+        <mc:Choice xmlns:a14="http://schemas.microsoft.com/office/drawing/2010/main" Requires="a14">
+          <p:sp>
+            <p:nvSpPr>
+              <p:cNvPr id="8" name="TextBox 7">
+                <a:extLst>
+                  <a:ext uri="{FF2B5EF4-FFF2-40B4-BE49-F238E27FC236}">
+                    <a16:creationId xmlns:a16="http://schemas.microsoft.com/office/drawing/2014/main" id="{595263CE-7209-F9A8-9BDC-9736900BA310}"/>
+                  </a:ext>
+                </a:extLst>
+              </p:cNvPr>
+              <p:cNvSpPr txBox="1"/>
+              <p:nvPr/>
+            </p:nvSpPr>
+            <p:spPr>
+              <a:xfrm>
+                <a:off x="4771009" y="5614811"/>
+                <a:ext cx="3882850" cy="714683"/>
+              </a:xfrm>
+              <a:prstGeom prst="rect">
+                <a:avLst/>
+              </a:prstGeom>
+              <a:noFill/>
+            </p:spPr>
+            <p:txBody>
+              <a:bodyPr wrap="square" rtlCol="0">
+                <a:spAutoFit/>
+              </a:bodyPr>
+              <a:lstStyle/>
+              <a:p>
+                <a14:m>
+                  <m:oMathPara xmlns:m="http://schemas.openxmlformats.org/officeDocument/2006/math">
+                    <m:oMathParaPr>
+                      <m:jc m:val="centerGroup"/>
+                    </m:oMathParaPr>
+                    <m:oMath xmlns:m="http://schemas.openxmlformats.org/officeDocument/2006/math">
+                      <m:func>
+                        <m:funcPr>
+                          <m:ctrlPr>
+                            <a:rPr lang="en-US" i="1" smtClean="0">
+                              <a:latin typeface="Cambria Math" panose="02040503050406030204" pitchFamily="18" charset="0"/>
+                            </a:rPr>
+                          </m:ctrlPr>
+                        </m:funcPr>
+                        <m:fName>
+                          <m:r>
+                            <m:rPr>
+                              <m:sty m:val="p"/>
+                            </m:rPr>
+                            <a:rPr lang="en-US" i="0" smtClean="0">
+                              <a:latin typeface="Cambria Math" panose="02040503050406030204" pitchFamily="18" charset="0"/>
+                            </a:rPr>
+                            <m:t>log</m:t>
+                          </m:r>
+                        </m:fName>
+                        <m:e>
+                          <m:d>
+                            <m:dPr>
+                              <m:ctrlPr>
+                                <a:rPr lang="en-US" i="1" smtClean="0">
+                                  <a:latin typeface="Cambria Math" panose="02040503050406030204" pitchFamily="18" charset="0"/>
+                                </a:rPr>
+                              </m:ctrlPr>
+                            </m:dPr>
+                            <m:e>
+                              <m:f>
+                                <m:fPr>
+                                  <m:ctrlPr>
+                                    <a:rPr lang="en-US" i="1" smtClean="0">
+                                      <a:latin typeface="Cambria Math" panose="02040503050406030204" pitchFamily="18" charset="0"/>
+                                    </a:rPr>
+                                  </m:ctrlPr>
+                                </m:fPr>
+                                <m:num>
+                                  <m:acc>
+                                    <m:accPr>
+                                      <m:chr m:val="̂"/>
+                                      <m:ctrlPr>
+                                        <a:rPr lang="en-US" i="1" smtClean="0">
+                                          <a:latin typeface="Cambria Math" panose="02040503050406030204" pitchFamily="18" charset="0"/>
+                                        </a:rPr>
+                                      </m:ctrlPr>
+                                    </m:accPr>
+                                    <m:e>
+                                      <m:r>
+                                        <a:rPr lang="en-US" b="0" i="1" smtClean="0">
+                                          <a:latin typeface="Cambria Math" panose="02040503050406030204" pitchFamily="18" charset="0"/>
+                                        </a:rPr>
+                                        <m:t>𝑝</m:t>
+                                      </m:r>
+                                    </m:e>
+                                  </m:acc>
+                                </m:num>
+                                <m:den>
+                                  <m:r>
+                                    <a:rPr lang="en-US" b="0" i="1" smtClean="0">
+                                      <a:latin typeface="Cambria Math" panose="02040503050406030204" pitchFamily="18" charset="0"/>
+                                    </a:rPr>
+                                    <m:t>1−</m:t>
+                                  </m:r>
+                                  <m:acc>
+                                    <m:accPr>
+                                      <m:chr m:val="̂"/>
+                                      <m:ctrlPr>
+                                        <a:rPr lang="en-US" b="0" i="1" smtClean="0">
+                                          <a:latin typeface="Cambria Math" panose="02040503050406030204" pitchFamily="18" charset="0"/>
+                                        </a:rPr>
+                                      </m:ctrlPr>
+                                    </m:accPr>
+                                    <m:e>
+                                      <m:r>
+                                        <a:rPr lang="en-US" b="0" i="1" smtClean="0">
+                                          <a:latin typeface="Cambria Math" panose="02040503050406030204" pitchFamily="18" charset="0"/>
+                                        </a:rPr>
+                                        <m:t>𝑝</m:t>
+                                      </m:r>
+                                    </m:e>
+                                  </m:acc>
+                                </m:den>
+                              </m:f>
+                            </m:e>
+                          </m:d>
+                        </m:e>
+                      </m:func>
+                      <m:r>
+                        <a:rPr lang="en-US" b="0" i="1" smtClean="0">
+                          <a:latin typeface="Cambria Math" panose="02040503050406030204" pitchFamily="18" charset="0"/>
+                        </a:rPr>
+                        <m:t>=5.697−0.097∗</m:t>
+                      </m:r>
+                      <m:r>
+                        <a:rPr lang="en-US" b="0" i="1" smtClean="0">
+                          <a:latin typeface="Cambria Math" panose="02040503050406030204" pitchFamily="18" charset="0"/>
+                        </a:rPr>
+                        <m:t>𝑑</m:t>
+                      </m:r>
+                    </m:oMath>
+                  </m:oMathPara>
+                </a14:m>
+                <a:endParaRPr lang="en-US" dirty="0"/>
+              </a:p>
+            </p:txBody>
+          </p:sp>
+        </mc:Choice>
+        <mc:Fallback>
+          <p:sp>
+            <p:nvSpPr>
+              <p:cNvPr id="8" name="TextBox 7">
+                <a:extLst>
+                  <a:ext uri="{FF2B5EF4-FFF2-40B4-BE49-F238E27FC236}">
+                    <a16:creationId xmlns:a16="http://schemas.microsoft.com/office/drawing/2014/main" id="{595263CE-7209-F9A8-9BDC-9736900BA310}"/>
+                  </a:ext>
+                </a:extLst>
+              </p:cNvPr>
+              <p:cNvSpPr txBox="1">
+                <a:spLocks noRot="1" noChangeAspect="1" noMove="1" noResize="1" noEditPoints="1" noAdjustHandles="1" noChangeArrowheads="1" noChangeShapeType="1" noTextEdit="1"/>
+              </p:cNvSpPr>
+              <p:nvPr/>
+            </p:nvSpPr>
+            <p:spPr>
+              <a:xfrm>
+                <a:off x="4771009" y="5614811"/>
+                <a:ext cx="3882850" cy="714683"/>
+              </a:xfrm>
+              <a:prstGeom prst="rect">
+                <a:avLst/>
+              </a:prstGeom>
+              <a:blipFill>
+                <a:blip r:embed="rId8"/>
+                <a:stretch>
+                  <a:fillRect/>
+                </a:stretch>
+              </a:blipFill>
+            </p:spPr>
+            <p:txBody>
+              <a:bodyPr/>
+              <a:lstStyle/>
+              <a:p>
+                <a:r>
+                  <a:rPr lang="en-US">
+                    <a:noFill/>
+                  </a:rPr>
+                  <a:t> </a:t>
+                </a:r>
+              </a:p>
+            </p:txBody>
+          </p:sp>
+        </mc:Fallback>
+      </mc:AlternateContent>
     </p:spTree>
     <p:extLst>
       <p:ext uri="{BB962C8B-B14F-4D97-AF65-F5344CB8AC3E}">
@@ -16184,103 +16513,6 @@
               </a:rPr>
               <a:t>Modeling Probability of Making Field Goal</a:t>
             </a:r>
-          </a:p>
-          <a:p>
-            <a:pPr marL="683100" lvl="2" indent="0">
-              <a:spcBef>
-                <a:spcPts val="0"/>
-              </a:spcBef>
-              <a:spcAft>
-                <a:spcPts val="0"/>
-              </a:spcAft>
-              <a:buClr>
-                <a:srgbClr val="D34817"/>
-              </a:buClr>
-              <a:buSzPct val="100000"/>
-              <a:buFont typeface="Wingdings" panose="05000000000000000000" pitchFamily="2" charset="2"/>
-              <a:buChar char="v"/>
-            </a:pPr>
-            <a:r>
-              <a:rPr lang="en-US" sz="1800" dirty="0">
-                <a:solidFill>
-                  <a:schemeClr val="bg2">
-                    <a:lumMod val="10000"/>
-                    <a:lumOff val="90000"/>
-                  </a:schemeClr>
-                </a:solidFill>
-                <a:effectLst/>
-                <a:latin typeface="Selawik Semibold" panose="020B0702040204020203" pitchFamily="34" charset="0"/>
-              </a:rPr>
-              <a:t>Results from Logistic Regression</a:t>
-            </a:r>
-          </a:p>
-          <a:p>
-            <a:pPr marL="683100" lvl="2" indent="0">
-              <a:spcBef>
-                <a:spcPts val="0"/>
-              </a:spcBef>
-              <a:spcAft>
-                <a:spcPts val="0"/>
-              </a:spcAft>
-              <a:buClr>
-                <a:srgbClr val="D34817"/>
-              </a:buClr>
-              <a:buSzPct val="100000"/>
-              <a:buFont typeface="Wingdings" panose="05000000000000000000" pitchFamily="2" charset="2"/>
-              <a:buChar char="v"/>
-            </a:pPr>
-            <a:endParaRPr lang="en-US" sz="1800" dirty="0">
-              <a:solidFill>
-                <a:schemeClr val="bg2">
-                  <a:lumMod val="10000"/>
-                  <a:lumOff val="90000"/>
-                </a:schemeClr>
-              </a:solidFill>
-              <a:effectLst/>
-              <a:latin typeface="Selawik Semibold" panose="020B0702040204020203" pitchFamily="34" charset="0"/>
-            </a:endParaRPr>
-          </a:p>
-          <a:p>
-            <a:pPr marL="683100" lvl="2" indent="0">
-              <a:spcBef>
-                <a:spcPts val="0"/>
-              </a:spcBef>
-              <a:spcAft>
-                <a:spcPts val="0"/>
-              </a:spcAft>
-              <a:buClr>
-                <a:srgbClr val="D34817"/>
-              </a:buClr>
-              <a:buSzPct val="100000"/>
-              <a:buFont typeface="Wingdings" panose="05000000000000000000" pitchFamily="2" charset="2"/>
-              <a:buChar char="v"/>
-            </a:pPr>
-            <a:endParaRPr lang="en-US" sz="1800" dirty="0">
-              <a:solidFill>
-                <a:schemeClr val="bg2">
-                  <a:lumMod val="10000"/>
-                  <a:lumOff val="90000"/>
-                </a:schemeClr>
-              </a:solidFill>
-              <a:effectLst/>
-              <a:latin typeface="Selawik Semibold" panose="020B0702040204020203" pitchFamily="34" charset="0"/>
-            </a:endParaRPr>
-          </a:p>
-          <a:p>
-            <a:pPr marL="683100" lvl="2" indent="0">
-              <a:spcBef>
-                <a:spcPts val="0"/>
-              </a:spcBef>
-              <a:spcAft>
-                <a:spcPts val="0"/>
-              </a:spcAft>
-              <a:buClr>
-                <a:srgbClr val="D34817"/>
-              </a:buClr>
-              <a:buSzPct val="100000"/>
-              <a:buFont typeface="Wingdings" panose="05000000000000000000" pitchFamily="2" charset="2"/>
-              <a:buChar char="v"/>
-            </a:pPr>
             <a:endParaRPr lang="en-US" sz="1800" dirty="0">
               <a:solidFill>
                 <a:schemeClr val="bg2">
@@ -16319,6 +16551,165 @@
                 <a:latin typeface="Selawik Semibold" panose="020B0702040204020203" pitchFamily="34" charset="0"/>
               </a:rPr>
               <a:t>Expected Margin for States of Interest</a:t>
+            </a:r>
+          </a:p>
+          <a:p>
+            <a:pPr marL="683100" lvl="2" indent="0">
+              <a:spcBef>
+                <a:spcPts val="0"/>
+              </a:spcBef>
+              <a:spcAft>
+                <a:spcPts val="0"/>
+              </a:spcAft>
+              <a:buClr>
+                <a:srgbClr val="D34817"/>
+              </a:buClr>
+              <a:buSzPct val="100000"/>
+              <a:buFont typeface="Wingdings" panose="05000000000000000000" pitchFamily="2" charset="2"/>
+              <a:buChar char="v"/>
+            </a:pPr>
+            <a:endParaRPr lang="en-US" sz="1800" dirty="0">
+              <a:solidFill>
+                <a:schemeClr val="bg2">
+                  <a:lumMod val="10000"/>
+                  <a:lumOff val="90000"/>
+                </a:schemeClr>
+              </a:solidFill>
+              <a:effectLst/>
+              <a:latin typeface="Selawik Semibold" panose="020B0702040204020203" pitchFamily="34" charset="0"/>
+            </a:endParaRPr>
+          </a:p>
+          <a:p>
+            <a:pPr marL="683100" lvl="2" indent="0">
+              <a:spcBef>
+                <a:spcPts val="0"/>
+              </a:spcBef>
+              <a:spcAft>
+                <a:spcPts val="0"/>
+              </a:spcAft>
+              <a:buClr>
+                <a:srgbClr val="D34817"/>
+              </a:buClr>
+              <a:buSzPct val="100000"/>
+              <a:buFont typeface="Wingdings" panose="05000000000000000000" pitchFamily="2" charset="2"/>
+              <a:buChar char="v"/>
+            </a:pPr>
+            <a:endParaRPr lang="en-US" sz="1800" dirty="0">
+              <a:solidFill>
+                <a:schemeClr val="bg2">
+                  <a:lumMod val="10000"/>
+                  <a:lumOff val="90000"/>
+                </a:schemeClr>
+              </a:solidFill>
+              <a:effectLst/>
+              <a:latin typeface="Selawik Semibold" panose="020B0702040204020203" pitchFamily="34" charset="0"/>
+            </a:endParaRPr>
+          </a:p>
+          <a:p>
+            <a:pPr marL="683100" lvl="2" indent="0">
+              <a:spcBef>
+                <a:spcPts val="0"/>
+              </a:spcBef>
+              <a:spcAft>
+                <a:spcPts val="0"/>
+              </a:spcAft>
+              <a:buClr>
+                <a:srgbClr val="D34817"/>
+              </a:buClr>
+              <a:buSzPct val="100000"/>
+              <a:buFont typeface="Wingdings" panose="05000000000000000000" pitchFamily="2" charset="2"/>
+              <a:buChar char="v"/>
+            </a:pPr>
+            <a:endParaRPr lang="en-US" sz="1800" dirty="0">
+              <a:solidFill>
+                <a:schemeClr val="bg2">
+                  <a:lumMod val="10000"/>
+                  <a:lumOff val="90000"/>
+                </a:schemeClr>
+              </a:solidFill>
+              <a:effectLst/>
+              <a:latin typeface="Selawik Semibold" panose="020B0702040204020203" pitchFamily="34" charset="0"/>
+            </a:endParaRPr>
+          </a:p>
+          <a:p>
+            <a:pPr marL="683100" lvl="2" indent="0">
+              <a:spcBef>
+                <a:spcPts val="0"/>
+              </a:spcBef>
+              <a:spcAft>
+                <a:spcPts val="0"/>
+              </a:spcAft>
+              <a:buClr>
+                <a:srgbClr val="D34817"/>
+              </a:buClr>
+              <a:buSzPct val="100000"/>
+              <a:buFont typeface="Wingdings" panose="05000000000000000000" pitchFamily="2" charset="2"/>
+              <a:buChar char="v"/>
+            </a:pPr>
+            <a:endParaRPr lang="en-US" sz="1800" dirty="0">
+              <a:solidFill>
+                <a:schemeClr val="bg2">
+                  <a:lumMod val="10000"/>
+                  <a:lumOff val="90000"/>
+                </a:schemeClr>
+              </a:solidFill>
+              <a:effectLst/>
+              <a:latin typeface="Selawik Semibold" panose="020B0702040204020203" pitchFamily="34" charset="0"/>
+            </a:endParaRPr>
+          </a:p>
+          <a:p>
+            <a:pPr marL="683100" lvl="2" indent="0">
+              <a:spcBef>
+                <a:spcPts val="0"/>
+              </a:spcBef>
+              <a:spcAft>
+                <a:spcPts val="0"/>
+              </a:spcAft>
+              <a:buClr>
+                <a:srgbClr val="D34817"/>
+              </a:buClr>
+              <a:buSzPct val="100000"/>
+              <a:buFont typeface="Wingdings" panose="05000000000000000000" pitchFamily="2" charset="2"/>
+              <a:buChar char="v"/>
+            </a:pPr>
+            <a:endParaRPr lang="en-US" sz="1800" dirty="0">
+              <a:solidFill>
+                <a:schemeClr val="bg2">
+                  <a:lumMod val="10000"/>
+                  <a:lumOff val="90000"/>
+                </a:schemeClr>
+              </a:solidFill>
+              <a:effectLst/>
+              <a:latin typeface="Selawik Semibold" panose="020B0702040204020203" pitchFamily="34" charset="0"/>
+            </a:endParaRPr>
+          </a:p>
+          <a:p>
+            <a:pPr marL="683100" lvl="2" indent="0">
+              <a:spcBef>
+                <a:spcPts val="0"/>
+              </a:spcBef>
+              <a:spcAft>
+                <a:spcPts val="0"/>
+              </a:spcAft>
+              <a:buClr>
+                <a:srgbClr val="D34817"/>
+              </a:buClr>
+              <a:buSzPct val="100000"/>
+              <a:buFont typeface="Wingdings" panose="05000000000000000000" pitchFamily="2" charset="2"/>
+              <a:buChar char="v"/>
+            </a:pPr>
+            <a:r>
+              <a:rPr lang="en-US" sz="1800" dirty="0">
+                <a:solidFill>
+                  <a:schemeClr val="bg2">
+                    <a:lumMod val="10000"/>
+                    <a:lumOff val="90000"/>
+                  </a:schemeClr>
+                </a:solidFill>
+                <a:effectLst/>
+                <a:latin typeface="Selawik Semibold" panose="020B0702040204020203" pitchFamily="34" charset="0"/>
+              </a:rPr>
+              <a:t>Calculate Probability of 47-yard FG</a:t>
             </a:r>
           </a:p>
           <a:p>
@@ -16736,253 +17127,8 @@
           </a:prstGeom>
         </p:spPr>
       </p:pic>
-      <p:pic>
-        <p:nvPicPr>
-          <p:cNvPr id="6" name="Picture 5">
-            <a:extLst>
-              <a:ext uri="{FF2B5EF4-FFF2-40B4-BE49-F238E27FC236}">
-                <a16:creationId xmlns:a16="http://schemas.microsoft.com/office/drawing/2014/main" id="{29178232-F5DE-421B-B12F-ED4F5965DF84}"/>
-              </a:ext>
-            </a:extLst>
-          </p:cNvPr>
-          <p:cNvPicPr>
-            <a:picLocks noChangeAspect="1"/>
-          </p:cNvPicPr>
-          <p:nvPr/>
-        </p:nvPicPr>
-        <p:blipFill>
-          <a:blip r:embed="rId7"/>
-          <a:stretch>
-            <a:fillRect/>
-          </a:stretch>
-        </p:blipFill>
-        <p:spPr>
-          <a:xfrm>
-            <a:off x="8839199" y="1547610"/>
-            <a:ext cx="3272816" cy="4741458"/>
-          </a:xfrm>
-          <a:prstGeom prst="rect">
-            <a:avLst/>
-          </a:prstGeom>
-          <a:ln w="38100">
-            <a:solidFill>
-              <a:srgbClr val="D34817"/>
-            </a:solidFill>
-          </a:ln>
-        </p:spPr>
-      </p:pic>
-      <mc:AlternateContent xmlns:mc="http://schemas.openxmlformats.org/markup-compatibility/2006" xmlns:a14="http://schemas.microsoft.com/office/drawing/2010/main">
-        <mc:Choice Requires="a14">
-          <p:sp>
-            <p:nvSpPr>
-              <p:cNvPr id="19" name="TextBox 18">
-                <a:extLst>
-                  <a:ext uri="{FF2B5EF4-FFF2-40B4-BE49-F238E27FC236}">
-                    <a16:creationId xmlns:a16="http://schemas.microsoft.com/office/drawing/2014/main" id="{8091ADA4-5B7E-4BC8-B74E-E5E1866DD178}"/>
-                  </a:ext>
-                </a:extLst>
-              </p:cNvPr>
-              <p:cNvSpPr txBox="1"/>
-              <p:nvPr/>
-            </p:nvSpPr>
-            <p:spPr>
-              <a:xfrm>
-                <a:off x="3183641" y="2498593"/>
-                <a:ext cx="10189029" cy="783869"/>
-              </a:xfrm>
-              <a:prstGeom prst="rect">
-                <a:avLst/>
-              </a:prstGeom>
-              <a:noFill/>
-            </p:spPr>
-            <p:txBody>
-              <a:bodyPr wrap="square" rtlCol="0">
-                <a:spAutoFit/>
-              </a:bodyPr>
-              <a:lstStyle/>
-              <a:p>
-                <a:pPr/>
-                <a14:m>
-                  <m:oMathPara xmlns:m="http://schemas.openxmlformats.org/officeDocument/2006/math">
-                    <m:oMathParaPr>
-                      <m:jc m:val="left"/>
-                    </m:oMathParaPr>
-                    <m:oMath xmlns:m="http://schemas.openxmlformats.org/officeDocument/2006/math">
-                      <m:func>
-                        <m:funcPr>
-                          <m:ctrlPr>
-                            <a:rPr lang="en-US" sz="2000" b="0" i="1" smtClean="0">
-                              <a:latin typeface="Cambria Math" panose="02040503050406030204" pitchFamily="18" charset="0"/>
-                            </a:rPr>
-                          </m:ctrlPr>
-                        </m:funcPr>
-                        <m:fName>
-                          <m:r>
-                            <m:rPr>
-                              <m:sty m:val="p"/>
-                            </m:rPr>
-                            <a:rPr lang="en-US" sz="2000" b="0" i="0" smtClean="0">
-                              <a:latin typeface="Cambria Math" panose="02040503050406030204" pitchFamily="18" charset="0"/>
-                            </a:rPr>
-                            <m:t>log</m:t>
-                          </m:r>
-                        </m:fName>
-                        <m:e>
-                          <m:d>
-                            <m:dPr>
-                              <m:ctrlPr>
-                                <a:rPr lang="en-US" sz="2000" b="0" i="1" smtClean="0">
-                                  <a:latin typeface="Cambria Math" panose="02040503050406030204" pitchFamily="18" charset="0"/>
-                                </a:rPr>
-                              </m:ctrlPr>
-                            </m:dPr>
-                            <m:e>
-                              <m:f>
-                                <m:fPr>
-                                  <m:ctrlPr>
-                                    <a:rPr lang="en-US" sz="2000" b="0" i="1" smtClean="0">
-                                      <a:latin typeface="Cambria Math" panose="02040503050406030204" pitchFamily="18" charset="0"/>
-                                    </a:rPr>
-                                  </m:ctrlPr>
-                                </m:fPr>
-                                <m:num>
-                                  <m:r>
-                                    <a:rPr lang="en-US" sz="2000" b="0" i="1" smtClean="0">
-                                      <a:latin typeface="Cambria Math" panose="02040503050406030204" pitchFamily="18" charset="0"/>
-                                    </a:rPr>
-                                    <m:t>𝑝</m:t>
-                                  </m:r>
-                                </m:num>
-                                <m:den>
-                                  <m:r>
-                                    <a:rPr lang="en-US" sz="2000" b="0" i="1" smtClean="0">
-                                      <a:latin typeface="Cambria Math" panose="02040503050406030204" pitchFamily="18" charset="0"/>
-                                    </a:rPr>
-                                    <m:t>1−</m:t>
-                                  </m:r>
-                                  <m:r>
-                                    <a:rPr lang="en-US" sz="2000" b="0" i="1" smtClean="0">
-                                      <a:latin typeface="Cambria Math" panose="02040503050406030204" pitchFamily="18" charset="0"/>
-                                    </a:rPr>
-                                    <m:t>𝑝</m:t>
-                                  </m:r>
-                                </m:den>
-                              </m:f>
-                            </m:e>
-                          </m:d>
-                        </m:e>
-                      </m:func>
-                      <m:r>
-                        <a:rPr lang="en-US" sz="2000" b="0" i="1" smtClean="0">
-                          <a:latin typeface="Cambria Math" panose="02040503050406030204" pitchFamily="18" charset="0"/>
-                        </a:rPr>
-                        <m:t>=7.05−0.134×</m:t>
-                      </m:r>
-                      <m:r>
-                        <a:rPr lang="en-US" sz="2000" b="0" i="1" smtClean="0">
-                          <a:latin typeface="Cambria Math" panose="02040503050406030204" pitchFamily="18" charset="0"/>
-                        </a:rPr>
-                        <m:t>𝑑</m:t>
-                      </m:r>
-                    </m:oMath>
-                  </m:oMathPara>
-                </a14:m>
-                <a:endParaRPr lang="en-US" sz="2000" b="0" dirty="0"/>
-              </a:p>
-            </p:txBody>
-          </p:sp>
-        </mc:Choice>
-        <mc:Fallback xmlns="">
-          <p:sp>
-            <p:nvSpPr>
-              <p:cNvPr id="19" name="TextBox 18">
-                <a:extLst>
-                  <a:ext uri="{FF2B5EF4-FFF2-40B4-BE49-F238E27FC236}">
-                    <a16:creationId xmlns:a16="http://schemas.microsoft.com/office/drawing/2014/main" id="{8091ADA4-5B7E-4BC8-B74E-E5E1866DD178}"/>
-                  </a:ext>
-                </a:extLst>
-              </p:cNvPr>
-              <p:cNvSpPr txBox="1">
-                <a:spLocks noRot="1" noChangeAspect="1" noMove="1" noResize="1" noEditPoints="1" noAdjustHandles="1" noChangeArrowheads="1" noChangeShapeType="1" noTextEdit="1"/>
-              </p:cNvSpPr>
-              <p:nvPr/>
-            </p:nvSpPr>
-            <p:spPr>
-              <a:xfrm>
-                <a:off x="3183641" y="2498593"/>
-                <a:ext cx="10189029" cy="783869"/>
-              </a:xfrm>
-              <a:prstGeom prst="rect">
-                <a:avLst/>
-              </a:prstGeom>
-              <a:blipFill>
-                <a:blip r:embed="rId8"/>
-                <a:stretch>
-                  <a:fillRect/>
-                </a:stretch>
-              </a:blipFill>
-            </p:spPr>
-            <p:txBody>
-              <a:bodyPr/>
-              <a:lstStyle/>
-              <a:p>
-                <a:r>
-                  <a:rPr lang="en-US">
-                    <a:noFill/>
-                  </a:rPr>
-                  <a:t> </a:t>
-                </a:r>
-              </a:p>
-            </p:txBody>
-          </p:sp>
-        </mc:Fallback>
-      </mc:AlternateContent>
-      <p:cxnSp>
-        <p:nvCxnSpPr>
-          <p:cNvPr id="20" name="Straight Arrow Connector 19">
-            <a:extLst>
-              <a:ext uri="{FF2B5EF4-FFF2-40B4-BE49-F238E27FC236}">
-                <a16:creationId xmlns:a16="http://schemas.microsoft.com/office/drawing/2014/main" id="{721B17EB-4517-4ADD-81D0-88962C84B2B6}"/>
-              </a:ext>
-            </a:extLst>
-          </p:cNvPr>
-          <p:cNvCxnSpPr>
-            <a:cxnSpLocks/>
-          </p:cNvCxnSpPr>
-          <p:nvPr/>
-        </p:nvCxnSpPr>
-        <p:spPr>
-          <a:xfrm>
-            <a:off x="6856576" y="2890527"/>
-            <a:ext cx="1813310" cy="0"/>
-          </a:xfrm>
-          <a:prstGeom prst="straightConnector1">
-            <a:avLst/>
-          </a:prstGeom>
-          <a:ln w="38100">
-            <a:solidFill>
-              <a:srgbClr val="D34817"/>
-            </a:solidFill>
-            <a:tailEnd type="triangle"/>
-          </a:ln>
-        </p:spPr>
-        <p:style>
-          <a:lnRef idx="1">
-            <a:schemeClr val="accent1"/>
-          </a:lnRef>
-          <a:fillRef idx="0">
-            <a:schemeClr val="accent1"/>
-          </a:fillRef>
-          <a:effectRef idx="0">
-            <a:schemeClr val="accent1"/>
-          </a:effectRef>
-          <a:fontRef idx="minor">
-            <a:schemeClr val="tx1"/>
-          </a:fontRef>
-        </p:style>
-      </p:cxnSp>
-      <mc:AlternateContent xmlns:mc="http://schemas.openxmlformats.org/markup-compatibility/2006" xmlns:a14="http://schemas.microsoft.com/office/drawing/2010/main">
-        <mc:Choice Requires="a14">
+      <mc:AlternateContent xmlns:mc="http://schemas.openxmlformats.org/markup-compatibility/2006">
+        <mc:Choice xmlns:a14="http://schemas.microsoft.com/office/drawing/2010/main" Requires="a14">
           <p:sp>
             <p:nvSpPr>
               <p:cNvPr id="22" name="TextBox 21">
@@ -16997,7 +17143,7 @@
             </p:nvSpPr>
             <p:spPr>
               <a:xfrm>
-                <a:off x="3183640" y="3617177"/>
+                <a:off x="3251017" y="2513419"/>
                 <a:ext cx="10189029" cy="1938992"/>
               </a:xfrm>
               <a:prstGeom prst="rect">
@@ -17223,7 +17369,7 @@
             </p:txBody>
           </p:sp>
         </mc:Choice>
-        <mc:Fallback xmlns="">
+        <mc:Fallback>
           <p:sp>
             <p:nvSpPr>
               <p:cNvPr id="22" name="TextBox 21">
@@ -17240,14 +17386,14 @@
             </p:nvSpPr>
             <p:spPr>
               <a:xfrm>
-                <a:off x="3183640" y="3617177"/>
+                <a:off x="3251017" y="2513419"/>
                 <a:ext cx="10189029" cy="1938992"/>
               </a:xfrm>
               <a:prstGeom prst="rect">
                 <a:avLst/>
               </a:prstGeom>
               <a:blipFill>
-                <a:blip r:embed="rId9"/>
+                <a:blip r:embed="rId7"/>
                 <a:stretch>
                   <a:fillRect/>
                 </a:stretch>
@@ -17268,8 +17414,8 @@
           </p:sp>
         </mc:Fallback>
       </mc:AlternateContent>
-      <mc:AlternateContent xmlns:mc="http://schemas.openxmlformats.org/markup-compatibility/2006" xmlns:a14="http://schemas.microsoft.com/office/drawing/2010/main">
-        <mc:Choice Requires="a14">
+      <mc:AlternateContent xmlns:mc="http://schemas.openxmlformats.org/markup-compatibility/2006">
+        <mc:Choice xmlns:a14="http://schemas.microsoft.com/office/drawing/2010/main" Requires="a14">
           <p:sp>
             <p:nvSpPr>
               <p:cNvPr id="26" name="TextBox 25">
@@ -17284,7 +17430,7 @@
             </p:nvSpPr>
             <p:spPr>
               <a:xfrm>
-                <a:off x="3136227" y="5260757"/>
+                <a:off x="3251017" y="5832273"/>
                 <a:ext cx="10772746" cy="400110"/>
               </a:xfrm>
               <a:prstGeom prst="rect">
@@ -17314,7 +17460,18 @@
                           </a:solidFill>
                           <a:latin typeface="Cambria Math" panose="02040503050406030204" pitchFamily="18" charset="0"/>
                         </a:rPr>
-                        <m:t>0.676×</m:t>
+                        <m:t>0.76</m:t>
+                      </m:r>
+                      <m:r>
+                        <a:rPr lang="en-US" sz="2000" b="0" i="1" smtClean="0">
+                          <a:solidFill>
+                            <a:schemeClr val="tx1">
+                              <a:lumMod val="95000"/>
+                            </a:schemeClr>
+                          </a:solidFill>
+                          <a:latin typeface="Cambria Math" panose="02040503050406030204" pitchFamily="18" charset="0"/>
+                        </a:rPr>
+                        <m:t>×</m:t>
                       </m:r>
                       <m:d>
                         <m:dPr>
@@ -17352,7 +17509,40 @@
                           </a:solidFill>
                           <a:latin typeface="Cambria Math" panose="02040503050406030204" pitchFamily="18" charset="0"/>
                         </a:rPr>
-                        <m:t>−0.324×0.978=1.531</m:t>
+                        <m:t>−0.</m:t>
+                      </m:r>
+                      <m:r>
+                        <a:rPr lang="en-US" sz="2000" b="0" i="1" smtClean="0">
+                          <a:solidFill>
+                            <a:schemeClr val="tx1">
+                              <a:lumMod val="95000"/>
+                            </a:schemeClr>
+                          </a:solidFill>
+                          <a:latin typeface="Cambria Math" panose="02040503050406030204" pitchFamily="18" charset="0"/>
+                        </a:rPr>
+                        <m:t>24</m:t>
+                      </m:r>
+                      <m:r>
+                        <a:rPr lang="en-US" sz="2000" b="0" i="1" smtClean="0">
+                          <a:solidFill>
+                            <a:schemeClr val="tx1">
+                              <a:lumMod val="95000"/>
+                            </a:schemeClr>
+                          </a:solidFill>
+                          <a:latin typeface="Cambria Math" panose="02040503050406030204" pitchFamily="18" charset="0"/>
+                        </a:rPr>
+                        <m:t>×0.978=1.</m:t>
+                      </m:r>
+                      <m:r>
+                        <a:rPr lang="en-US" sz="2000" b="0" i="1" smtClean="0">
+                          <a:solidFill>
+                            <a:schemeClr val="tx1">
+                              <a:lumMod val="95000"/>
+                            </a:schemeClr>
+                          </a:solidFill>
+                          <a:latin typeface="Cambria Math" panose="02040503050406030204" pitchFamily="18" charset="0"/>
+                        </a:rPr>
+                        <m:t>84</m:t>
                       </m:r>
                     </m:oMath>
                   </m:oMathPara>
@@ -17368,7 +17558,7 @@
             </p:txBody>
           </p:sp>
         </mc:Choice>
-        <mc:Fallback xmlns="">
+        <mc:Fallback>
           <p:sp>
             <p:nvSpPr>
               <p:cNvPr id="26" name="TextBox 25">
@@ -17385,14 +17575,14 @@
             </p:nvSpPr>
             <p:spPr>
               <a:xfrm>
-                <a:off x="3136227" y="5260757"/>
+                <a:off x="3251017" y="5832273"/>
                 <a:ext cx="10772746" cy="400110"/>
               </a:xfrm>
               <a:prstGeom prst="rect">
                 <a:avLst/>
               </a:prstGeom>
               <a:blipFill>
-                <a:blip r:embed="rId10"/>
+                <a:blip r:embed="rId8"/>
                 <a:stretch>
                   <a:fillRect/>
                 </a:stretch>
@@ -17413,103 +17603,188 @@
           </p:sp>
         </mc:Fallback>
       </mc:AlternateContent>
-      <p:cxnSp>
-        <p:nvCxnSpPr>
-          <p:cNvPr id="27" name="Straight Arrow Connector 26">
-            <a:extLst>
-              <a:ext uri="{FF2B5EF4-FFF2-40B4-BE49-F238E27FC236}">
-                <a16:creationId xmlns:a16="http://schemas.microsoft.com/office/drawing/2014/main" id="{21DCD1BC-B300-4C10-A23D-B5AB2E21542F}"/>
-              </a:ext>
-            </a:extLst>
-          </p:cNvPr>
-          <p:cNvCxnSpPr>
-            <a:cxnSpLocks/>
-            <a:stCxn id="28" idx="1"/>
-          </p:cNvCxnSpPr>
-          <p:nvPr/>
-        </p:nvCxnSpPr>
-        <p:spPr>
-          <a:xfrm flipH="1">
-            <a:off x="8026403" y="4037513"/>
-            <a:ext cx="2449204" cy="1210368"/>
-          </a:xfrm>
-          <a:prstGeom prst="straightConnector1">
-            <a:avLst/>
-          </a:prstGeom>
-          <a:ln w="38100">
-            <a:solidFill>
-              <a:srgbClr val="D34817"/>
-            </a:solidFill>
-            <a:tailEnd type="triangle"/>
-          </a:ln>
-        </p:spPr>
-        <p:style>
-          <a:lnRef idx="1">
-            <a:schemeClr val="accent1"/>
-          </a:lnRef>
-          <a:fillRef idx="0">
-            <a:schemeClr val="accent1"/>
-          </a:fillRef>
-          <a:effectRef idx="0">
-            <a:schemeClr val="accent1"/>
-          </a:effectRef>
-          <a:fontRef idx="minor">
-            <a:schemeClr val="tx1"/>
-          </a:fontRef>
-        </p:style>
-      </p:cxnSp>
-      <p:sp>
-        <p:nvSpPr>
-          <p:cNvPr id="28" name="Rectangle 27">
-            <a:extLst>
-              <a:ext uri="{FF2B5EF4-FFF2-40B4-BE49-F238E27FC236}">
-                <a16:creationId xmlns:a16="http://schemas.microsoft.com/office/drawing/2014/main" id="{FD945D12-AF03-4F35-A3A3-38A27B326ACE}"/>
-              </a:ext>
-            </a:extLst>
-          </p:cNvPr>
-          <p:cNvSpPr/>
-          <p:nvPr/>
-        </p:nvSpPr>
-        <p:spPr>
-          <a:xfrm>
-            <a:off x="10475607" y="3932815"/>
-            <a:ext cx="1636408" cy="209395"/>
-          </a:xfrm>
-          <a:prstGeom prst="rect">
-            <a:avLst/>
-          </a:prstGeom>
-          <a:noFill/>
-          <a:ln w="38100">
-            <a:solidFill>
-              <a:srgbClr val="D34817"/>
-            </a:solidFill>
-          </a:ln>
-        </p:spPr>
-        <p:style>
-          <a:lnRef idx="2">
-            <a:schemeClr val="accent1">
-              <a:shade val="50000"/>
-            </a:schemeClr>
-          </a:lnRef>
-          <a:fillRef idx="1">
-            <a:schemeClr val="accent1"/>
-          </a:fillRef>
-          <a:effectRef idx="0">
-            <a:schemeClr val="accent1"/>
-          </a:effectRef>
-          <a:fontRef idx="minor">
-            <a:schemeClr val="lt1"/>
-          </a:fontRef>
-        </p:style>
-        <p:txBody>
-          <a:bodyPr rtlCol="0" anchor="ctr"/>
-          <a:lstStyle/>
-          <a:p>
-            <a:pPr algn="ctr"/>
-            <a:endParaRPr lang="en-US"/>
-          </a:p>
-        </p:txBody>
-      </p:sp>
+      <mc:AlternateContent xmlns:mc="http://schemas.openxmlformats.org/markup-compatibility/2006">
+        <mc:Choice xmlns:a14="http://schemas.microsoft.com/office/drawing/2010/main" Requires="a14">
+          <p:sp>
+            <p:nvSpPr>
+              <p:cNvPr id="2" name="TextBox 1">
+                <a:extLst>
+                  <a:ext uri="{FF2B5EF4-FFF2-40B4-BE49-F238E27FC236}">
+                    <a16:creationId xmlns:a16="http://schemas.microsoft.com/office/drawing/2014/main" id="{682B36DB-194F-96FA-30E9-91AC0847A17C}"/>
+                  </a:ext>
+                </a:extLst>
+              </p:cNvPr>
+              <p:cNvSpPr txBox="1"/>
+              <p:nvPr/>
+            </p:nvSpPr>
+            <p:spPr>
+              <a:xfrm>
+                <a:off x="1035107" y="4345327"/>
+                <a:ext cx="7387782" cy="844911"/>
+              </a:xfrm>
+              <a:prstGeom prst="rect">
+                <a:avLst/>
+              </a:prstGeom>
+              <a:noFill/>
+            </p:spPr>
+            <p:txBody>
+              <a:bodyPr wrap="square" rtlCol="0">
+                <a:spAutoFit/>
+              </a:bodyPr>
+              <a:lstStyle/>
+              <a:p>
+                <a14:m>
+                  <m:oMathPara xmlns:m="http://schemas.openxmlformats.org/officeDocument/2006/math">
+                    <m:oMathParaPr>
+                      <m:jc m:val="centerGroup"/>
+                    </m:oMathParaPr>
+                    <m:oMath xmlns:m="http://schemas.openxmlformats.org/officeDocument/2006/math">
+                      <m:acc>
+                        <m:accPr>
+                          <m:chr m:val="̂"/>
+                          <m:ctrlPr>
+                            <a:rPr lang="en-US" sz="2400" i="1" smtClean="0">
+                              <a:latin typeface="Cambria Math" panose="02040503050406030204" pitchFamily="18" charset="0"/>
+                            </a:rPr>
+                          </m:ctrlPr>
+                        </m:accPr>
+                        <m:e>
+                          <m:r>
+                            <a:rPr lang="en-US" sz="2400" b="0" i="1" smtClean="0">
+                              <a:latin typeface="Cambria Math" panose="02040503050406030204" pitchFamily="18" charset="0"/>
+                            </a:rPr>
+                            <m:t>𝑝</m:t>
+                          </m:r>
+                        </m:e>
+                      </m:acc>
+                      <m:r>
+                        <a:rPr lang="en-US" sz="2400" b="0" i="1" smtClean="0">
+                          <a:latin typeface="Cambria Math" panose="02040503050406030204" pitchFamily="18" charset="0"/>
+                        </a:rPr>
+                        <m:t>=</m:t>
+                      </m:r>
+                      <m:f>
+                        <m:fPr>
+                          <m:ctrlPr>
+                            <a:rPr lang="en-US" sz="2400" b="0" i="1" smtClean="0">
+                              <a:latin typeface="Cambria Math" panose="02040503050406030204" pitchFamily="18" charset="0"/>
+                            </a:rPr>
+                          </m:ctrlPr>
+                        </m:fPr>
+                        <m:num>
+                          <m:sSup>
+                            <m:sSupPr>
+                              <m:ctrlPr>
+                                <a:rPr lang="en-US" sz="2400" b="0" i="1" smtClean="0">
+                                  <a:latin typeface="Cambria Math" panose="02040503050406030204" pitchFamily="18" charset="0"/>
+                                </a:rPr>
+                              </m:ctrlPr>
+                            </m:sSupPr>
+                            <m:e>
+                              <m:r>
+                                <a:rPr lang="en-US" sz="2400" b="0" i="1" smtClean="0">
+                                  <a:latin typeface="Cambria Math" panose="02040503050406030204" pitchFamily="18" charset="0"/>
+                                </a:rPr>
+                                <m:t>𝑒</m:t>
+                              </m:r>
+                            </m:e>
+                            <m:sup>
+                              <m:r>
+                                <a:rPr lang="en-US" sz="2400" i="1">
+                                  <a:latin typeface="Cambria Math" panose="02040503050406030204" pitchFamily="18" charset="0"/>
+                                </a:rPr>
+                                <m:t>5.697−0.097∗47</m:t>
+                              </m:r>
+                            </m:sup>
+                          </m:sSup>
+                        </m:num>
+                        <m:den>
+                          <m:r>
+                            <a:rPr lang="en-US" sz="2400" b="0" i="1" smtClean="0">
+                              <a:latin typeface="Cambria Math" panose="02040503050406030204" pitchFamily="18" charset="0"/>
+                            </a:rPr>
+                            <m:t>1+</m:t>
+                          </m:r>
+                          <m:sSup>
+                            <m:sSupPr>
+                              <m:ctrlPr>
+                                <a:rPr lang="en-US" sz="2400" b="0" i="1" smtClean="0">
+                                  <a:latin typeface="Cambria Math" panose="02040503050406030204" pitchFamily="18" charset="0"/>
+                                </a:rPr>
+                              </m:ctrlPr>
+                            </m:sSupPr>
+                            <m:e>
+                              <m:r>
+                                <a:rPr lang="en-US" sz="2400" b="0" i="1" smtClean="0">
+                                  <a:latin typeface="Cambria Math" panose="02040503050406030204" pitchFamily="18" charset="0"/>
+                                </a:rPr>
+                                <m:t>𝑒</m:t>
+                              </m:r>
+                            </m:e>
+                            <m:sup>
+                              <m:r>
+                                <a:rPr lang="en-US" sz="2400" i="1">
+                                  <a:latin typeface="Cambria Math" panose="02040503050406030204" pitchFamily="18" charset="0"/>
+                                </a:rPr>
+                                <m:t>5.697−0.097∗47</m:t>
+                              </m:r>
+                            </m:sup>
+                          </m:sSup>
+                        </m:den>
+                      </m:f>
+                    </m:oMath>
+                  </m:oMathPara>
+                </a14:m>
+                <a:endParaRPr lang="en-US" sz="2400" dirty="0"/>
+              </a:p>
+            </p:txBody>
+          </p:sp>
+        </mc:Choice>
+        <mc:Fallback>
+          <p:sp>
+            <p:nvSpPr>
+              <p:cNvPr id="2" name="TextBox 1">
+                <a:extLst>
+                  <a:ext uri="{FF2B5EF4-FFF2-40B4-BE49-F238E27FC236}">
+                    <a16:creationId xmlns:a16="http://schemas.microsoft.com/office/drawing/2014/main" id="{682B36DB-194F-96FA-30E9-91AC0847A17C}"/>
+                  </a:ext>
+                </a:extLst>
+              </p:cNvPr>
+              <p:cNvSpPr txBox="1">
+                <a:spLocks noRot="1" noChangeAspect="1" noMove="1" noResize="1" noEditPoints="1" noAdjustHandles="1" noChangeArrowheads="1" noChangeShapeType="1" noTextEdit="1"/>
+              </p:cNvSpPr>
+              <p:nvPr/>
+            </p:nvSpPr>
+            <p:spPr>
+              <a:xfrm>
+                <a:off x="1035107" y="4345327"/>
+                <a:ext cx="7387782" cy="844911"/>
+              </a:xfrm>
+              <a:prstGeom prst="rect">
+                <a:avLst/>
+              </a:prstGeom>
+              <a:blipFill>
+                <a:blip r:embed="rId9"/>
+                <a:stretch>
+                  <a:fillRect/>
+                </a:stretch>
+              </a:blipFill>
+            </p:spPr>
+            <p:txBody>
+              <a:bodyPr/>
+              <a:lstStyle/>
+              <a:p>
+                <a:r>
+                  <a:rPr lang="en-US">
+                    <a:noFill/>
+                  </a:rPr>
+                  <a:t> </a:t>
+                </a:r>
+              </a:p>
+            </p:txBody>
+          </p:sp>
+        </mc:Fallback>
+      </mc:AlternateContent>
     </p:spTree>
     <p:extLst>
       <p:ext uri="{BB962C8B-B14F-4D97-AF65-F5344CB8AC3E}">
@@ -18321,8 +18596,8 @@
           </a:prstGeom>
         </p:spPr>
       </p:pic>
-      <mc:AlternateContent xmlns:mc="http://schemas.openxmlformats.org/markup-compatibility/2006" xmlns:a14="http://schemas.microsoft.com/office/drawing/2010/main">
-        <mc:Choice Requires="a14">
+      <mc:AlternateContent xmlns:mc="http://schemas.openxmlformats.org/markup-compatibility/2006">
+        <mc:Choice xmlns:a14="http://schemas.microsoft.com/office/drawing/2010/main" Requires="a14">
           <p:sp>
             <p:nvSpPr>
               <p:cNvPr id="16" name="TextBox 15">
@@ -18467,7 +18742,18 @@
                           </a:solidFill>
                           <a:latin typeface="Cambria Math" panose="02040503050406030204" pitchFamily="18" charset="0"/>
                         </a:rPr>
-                        <m:t>1.531</m:t>
+                        <m:t>1.</m:t>
+                      </m:r>
+                      <m:r>
+                        <a:rPr lang="en-US" sz="2000" b="0" i="1" smtClean="0">
+                          <a:solidFill>
+                            <a:schemeClr val="tx1">
+                              <a:lumMod val="95000"/>
+                            </a:schemeClr>
+                          </a:solidFill>
+                          <a:latin typeface="Cambria Math" panose="02040503050406030204" pitchFamily="18" charset="0"/>
+                        </a:rPr>
+                        <m:t>84</m:t>
                       </m:r>
                     </m:oMath>
                   </m:oMathPara>
@@ -18483,7 +18769,7 @@
             </p:txBody>
           </p:sp>
         </mc:Choice>
-        <mc:Fallback xmlns="">
+        <mc:Fallback>
           <p:sp>
             <p:nvSpPr>
               <p:cNvPr id="16" name="TextBox 15">
@@ -18528,8 +18814,8 @@
           </p:sp>
         </mc:Fallback>
       </mc:AlternateContent>
-      <mc:AlternateContent xmlns:mc="http://schemas.openxmlformats.org/markup-compatibility/2006" xmlns:a14="http://schemas.microsoft.com/office/drawing/2010/main">
-        <mc:Choice Requires="a14">
+      <mc:AlternateContent xmlns:mc="http://schemas.openxmlformats.org/markup-compatibility/2006">
+        <mc:Choice xmlns:a14="http://schemas.microsoft.com/office/drawing/2010/main" Requires="a14">
           <p:sp>
             <p:nvSpPr>
               <p:cNvPr id="18" name="TextBox 17">
@@ -18656,7 +18942,18 @@
                           </a:solidFill>
                           <a:latin typeface="Cambria Math" panose="02040503050406030204" pitchFamily="18" charset="0"/>
                         </a:rPr>
-                        <m:t>1.531</m:t>
+                        <m:t>1.</m:t>
+                      </m:r>
+                      <m:r>
+                        <a:rPr lang="en-US" sz="2000" b="0" i="1" smtClean="0">
+                          <a:solidFill>
+                            <a:schemeClr val="tx1">
+                              <a:lumMod val="95000"/>
+                            </a:schemeClr>
+                          </a:solidFill>
+                          <a:latin typeface="Cambria Math" panose="02040503050406030204" pitchFamily="18" charset="0"/>
+                        </a:rPr>
+                        <m:t>84</m:t>
                       </m:r>
                     </m:oMath>
                   </m:oMathPara>
@@ -18672,7 +18969,7 @@
             </p:txBody>
           </p:sp>
         </mc:Choice>
-        <mc:Fallback xmlns="">
+        <mc:Fallback>
           <p:sp>
             <p:nvSpPr>
               <p:cNvPr id="18" name="TextBox 17">
@@ -18717,8 +19014,8 @@
           </p:sp>
         </mc:Fallback>
       </mc:AlternateContent>
-      <mc:AlternateContent xmlns:mc="http://schemas.openxmlformats.org/markup-compatibility/2006" xmlns:a14="http://schemas.microsoft.com/office/drawing/2010/main">
-        <mc:Choice Requires="a14">
+      <mc:AlternateContent xmlns:mc="http://schemas.openxmlformats.org/markup-compatibility/2006">
+        <mc:Choice xmlns:a14="http://schemas.microsoft.com/office/drawing/2010/main" Requires="a14">
           <p:sp>
             <p:nvSpPr>
               <p:cNvPr id="23" name="TextBox 22">
@@ -18805,7 +19102,7 @@
                           <a:latin typeface="Cambria Math" panose="02040503050406030204" pitchFamily="18" charset="0"/>
                           <a:ea typeface="Cambria Math" panose="02040503050406030204" pitchFamily="18" charset="0"/>
                         </a:rPr>
-                        <m:t>1.867</m:t>
+                        <m:t>2.176</m:t>
                       </m:r>
                     </m:oMath>
                   </m:oMathPara>
@@ -18821,7 +19118,7 @@
             </p:txBody>
           </p:sp>
         </mc:Choice>
-        <mc:Fallback xmlns="">
+        <mc:Fallback>
           <p:sp>
             <p:nvSpPr>
               <p:cNvPr id="23" name="TextBox 22">
@@ -18866,8 +19163,8 @@
           </p:sp>
         </mc:Fallback>
       </mc:AlternateContent>
-      <mc:AlternateContent xmlns:mc="http://schemas.openxmlformats.org/markup-compatibility/2006" xmlns:a14="http://schemas.microsoft.com/office/drawing/2010/main">
-        <mc:Choice Requires="a14">
+      <mc:AlternateContent xmlns:mc="http://schemas.openxmlformats.org/markup-compatibility/2006">
+        <mc:Choice xmlns:a14="http://schemas.microsoft.com/office/drawing/2010/main" Requires="a14">
           <p:sp>
             <p:nvSpPr>
               <p:cNvPr id="25" name="TextBox 24">
@@ -18948,7 +19245,19 @@
                           <a:latin typeface="Cambria Math" panose="02040503050406030204" pitchFamily="18" charset="0"/>
                           <a:ea typeface="Cambria Math" panose="02040503050406030204" pitchFamily="18" charset="0"/>
                         </a:rPr>
-                        <m:t>0.442</m:t>
+                        <m:t>0.</m:t>
+                      </m:r>
+                      <m:r>
+                        <a:rPr lang="en-US" sz="2000" b="0" i="1" smtClean="0">
+                          <a:solidFill>
+                            <a:schemeClr val="tx1">
+                              <a:lumMod val="95000"/>
+                            </a:schemeClr>
+                          </a:solidFill>
+                          <a:latin typeface="Cambria Math" panose="02040503050406030204" pitchFamily="18" charset="0"/>
+                          <a:ea typeface="Cambria Math" panose="02040503050406030204" pitchFamily="18" charset="0"/>
+                        </a:rPr>
+                        <m:t>516</m:t>
                       </m:r>
                     </m:oMath>
                   </m:oMathPara>
@@ -18964,7 +19273,7 @@
             </p:txBody>
           </p:sp>
         </mc:Choice>
-        <mc:Fallback xmlns="">
+        <mc:Fallback>
           <p:sp>
             <p:nvSpPr>
               <p:cNvPr id="25" name="TextBox 24">
@@ -19011,10 +19320,10 @@
       </mc:AlternateContent>
       <p:pic>
         <p:nvPicPr>
-          <p:cNvPr id="5" name="Picture 4">
+          <p:cNvPr id="3" name="Picture 2">
             <a:extLst>
               <a:ext uri="{FF2B5EF4-FFF2-40B4-BE49-F238E27FC236}">
-                <a16:creationId xmlns:a16="http://schemas.microsoft.com/office/drawing/2014/main" id="{64902323-9849-4D43-A74E-3BBA55CA358D}"/>
+                <a16:creationId xmlns:a16="http://schemas.microsoft.com/office/drawing/2014/main" id="{734AC88E-A374-B458-029D-46C53B14B68A}"/>
               </a:ext>
             </a:extLst>
           </p:cNvPr>
@@ -19031,16 +19340,13 @@
         </p:blipFill>
         <p:spPr>
           <a:xfrm>
-            <a:off x="7535399" y="4231246"/>
-            <a:ext cx="2732973" cy="2046177"/>
+            <a:off x="3306529" y="4529524"/>
+            <a:ext cx="3629230" cy="1612422"/>
           </a:xfrm>
           <a:prstGeom prst="rect">
             <a:avLst/>
           </a:prstGeom>
-          <a:solidFill>
-            <a:srgbClr val="D34817"/>
-          </a:solidFill>
-          <a:ln w="38100">
+          <a:ln w="28575">
             <a:solidFill>
               <a:srgbClr val="D34817"/>
             </a:solidFill>
@@ -19587,6 +19893,32 @@
               <a:buFont typeface="Wingdings" panose="05000000000000000000" pitchFamily="2" charset="2"/>
               <a:buChar char="v"/>
             </a:pPr>
+            <a:endParaRPr lang="en-US" sz="2000" dirty="0">
+              <a:solidFill>
+                <a:schemeClr val="bg2">
+                  <a:lumMod val="10000"/>
+                  <a:lumOff val="90000"/>
+                </a:schemeClr>
+              </a:solidFill>
+              <a:effectLst/>
+              <a:latin typeface="Selawik Semibold" panose="020B0702040204020203" pitchFamily="34" charset="0"/>
+            </a:endParaRPr>
+          </a:p>
+          <a:p>
+            <a:pPr marL="377100" lvl="1" indent="0">
+              <a:spcBef>
+                <a:spcPts val="0"/>
+              </a:spcBef>
+              <a:spcAft>
+                <a:spcPts val="0"/>
+              </a:spcAft>
+              <a:buClr>
+                <a:srgbClr val="D34817"/>
+              </a:buClr>
+              <a:buSzPct val="100000"/>
+              <a:buFont typeface="Wingdings" panose="05000000000000000000" pitchFamily="2" charset="2"/>
+              <a:buChar char="v"/>
+            </a:pPr>
             <a:r>
               <a:rPr lang="en-US" sz="2000" dirty="0">
                 <a:solidFill>
@@ -19599,6 +19931,61 @@
                 <a:latin typeface="Selawik Semibold" panose="020B0702040204020203" pitchFamily="34" charset="0"/>
               </a:rPr>
               <a:t>Need 67.8% Probability to Justify Going for First Down</a:t>
+            </a:r>
+          </a:p>
+          <a:p>
+            <a:pPr marL="377100" lvl="1" indent="0">
+              <a:spcBef>
+                <a:spcPts val="0"/>
+              </a:spcBef>
+              <a:spcAft>
+                <a:spcPts val="0"/>
+              </a:spcAft>
+              <a:buClr>
+                <a:srgbClr val="D34817"/>
+              </a:buClr>
+              <a:buSzPct val="100000"/>
+              <a:buFont typeface="Wingdings" panose="05000000000000000000" pitchFamily="2" charset="2"/>
+              <a:buChar char="v"/>
+            </a:pPr>
+            <a:endParaRPr lang="en-US" sz="2000" dirty="0">
+              <a:solidFill>
+                <a:schemeClr val="bg2">
+                  <a:lumMod val="10000"/>
+                  <a:lumOff val="90000"/>
+                </a:schemeClr>
+              </a:solidFill>
+              <a:effectLst/>
+              <a:latin typeface="Selawik Semibold" panose="020B0702040204020203" pitchFamily="34" charset="0"/>
+            </a:endParaRPr>
+          </a:p>
+          <a:p>
+            <a:pPr marL="377100" lvl="1" indent="0">
+              <a:spcBef>
+                <a:spcPts val="0"/>
+              </a:spcBef>
+              <a:spcAft>
+                <a:spcPts val="0"/>
+              </a:spcAft>
+              <a:buClr>
+                <a:srgbClr val="D34817"/>
+              </a:buClr>
+              <a:buSzPct val="100000"/>
+              <a:buFont typeface="Wingdings" panose="05000000000000000000" pitchFamily="2" charset="2"/>
+              <a:buChar char="v"/>
+            </a:pPr>
+            <a:r>
+              <a:rPr lang="en-US" sz="2000" dirty="0">
+                <a:solidFill>
+                  <a:schemeClr val="bg2">
+                    <a:lumMod val="10000"/>
+                    <a:lumOff val="90000"/>
+                  </a:schemeClr>
+                </a:solidFill>
+                <a:effectLst/>
+                <a:latin typeface="Selawik Semibold" panose="020B0702040204020203" pitchFamily="34" charset="0"/>
+              </a:rPr>
+              <a:t>Romer: Should Go For It if Probability is At Least 45%</a:t>
             </a:r>
           </a:p>
           <a:p>
@@ -19733,7 +20120,7 @@
         </p:nvSpPr>
         <p:spPr>
           <a:xfrm>
-            <a:off x="0" y="6363870"/>
+            <a:off x="0" y="6364314"/>
             <a:ext cx="12192000" cy="280807"/>
           </a:xfrm>
           <a:prstGeom prst="rect">
@@ -19908,8 +20295,8 @@
           </a:prstGeom>
         </p:spPr>
       </p:pic>
-      <mc:AlternateContent xmlns:mc="http://schemas.openxmlformats.org/markup-compatibility/2006" xmlns:a14="http://schemas.microsoft.com/office/drawing/2010/main">
-        <mc:Choice Requires="a14">
+      <mc:AlternateContent xmlns:mc="http://schemas.openxmlformats.org/markup-compatibility/2006">
+        <mc:Choice xmlns:a14="http://schemas.microsoft.com/office/drawing/2010/main" Requires="a14">
           <p:sp>
             <p:nvSpPr>
               <p:cNvPr id="19" name="TextBox 18">
@@ -20003,7 +20390,13 @@
                             <a:rPr lang="en-US" sz="2000" b="0" i="1" smtClean="0">
                               <a:latin typeface="Cambria Math" panose="02040503050406030204" pitchFamily="18" charset="0"/>
                             </a:rPr>
-                            <m:t>1,10,30</m:t>
+                            <m:t>1,10,</m:t>
+                          </m:r>
+                          <m:r>
+                            <a:rPr lang="en-US" sz="2000" b="0" i="1" smtClean="0">
+                              <a:latin typeface="Cambria Math" panose="02040503050406030204" pitchFamily="18" charset="0"/>
+                            </a:rPr>
+                            <m:t>25</m:t>
                           </m:r>
                         </m:e>
                       </m:d>
@@ -20011,7 +20404,13 @@
                         <a:rPr lang="en-US" sz="2000" b="0" i="1" smtClean="0">
                           <a:latin typeface="Cambria Math" panose="02040503050406030204" pitchFamily="18" charset="0"/>
                         </a:rPr>
-                        <m:t>=−0.48</m:t>
+                        <m:t>=−0.4</m:t>
+                      </m:r>
+                      <m:r>
+                        <a:rPr lang="en-US" sz="2000" b="0" i="1" smtClean="0">
+                          <a:latin typeface="Cambria Math" panose="02040503050406030204" pitchFamily="18" charset="0"/>
+                        </a:rPr>
+                        <m:t>6</m:t>
                       </m:r>
                     </m:oMath>
                   </m:oMathPara>
@@ -20021,7 +20420,7 @@
             </p:txBody>
           </p:sp>
         </mc:Choice>
-        <mc:Fallback xmlns="">
+        <mc:Fallback>
           <p:sp>
             <p:nvSpPr>
               <p:cNvPr id="19" name="TextBox 18">
@@ -20719,6 +21118,178 @@
                 <a:blip r:embed="rId9"/>
                 <a:stretch>
                   <a:fillRect b="-15385"/>
+                </a:stretch>
+              </a:blipFill>
+            </p:spPr>
+            <p:txBody>
+              <a:bodyPr/>
+              <a:lstStyle/>
+              <a:p>
+                <a:r>
+                  <a:rPr lang="en-US">
+                    <a:noFill/>
+                  </a:rPr>
+                  <a:t> </a:t>
+                </a:r>
+              </a:p>
+            </p:txBody>
+          </p:sp>
+        </mc:Fallback>
+      </mc:AlternateContent>
+      <mc:AlternateContent xmlns:mc="http://schemas.openxmlformats.org/markup-compatibility/2006">
+        <mc:Choice xmlns:a14="http://schemas.microsoft.com/office/drawing/2010/main" Requires="a14">
+          <p:sp>
+            <p:nvSpPr>
+              <p:cNvPr id="2" name="TextBox 1">
+                <a:extLst>
+                  <a:ext uri="{FF2B5EF4-FFF2-40B4-BE49-F238E27FC236}">
+                    <a16:creationId xmlns:a16="http://schemas.microsoft.com/office/drawing/2014/main" id="{E06B52A4-2843-535B-713D-682F66FFEC1A}"/>
+                  </a:ext>
+                </a:extLst>
+              </p:cNvPr>
+              <p:cNvSpPr txBox="1"/>
+              <p:nvPr/>
+            </p:nvSpPr>
+            <p:spPr>
+              <a:xfrm>
+                <a:off x="5307595" y="4751224"/>
+                <a:ext cx="10189029" cy="400110"/>
+              </a:xfrm>
+              <a:prstGeom prst="rect">
+                <a:avLst/>
+              </a:prstGeom>
+              <a:noFill/>
+            </p:spPr>
+            <p:txBody>
+              <a:bodyPr wrap="square" rtlCol="0">
+                <a:spAutoFit/>
+              </a:bodyPr>
+              <a:lstStyle/>
+              <a:p>
+                <a:pPr/>
+                <a14:m>
+                  <m:oMathPara xmlns:m="http://schemas.openxmlformats.org/officeDocument/2006/math">
+                    <m:oMathParaPr>
+                      <m:jc m:val="left"/>
+                    </m:oMathParaPr>
+                    <m:oMath xmlns:m="http://schemas.openxmlformats.org/officeDocument/2006/math">
+                      <m:r>
+                        <a:rPr lang="en-US" sz="2000" b="0" i="1" smtClean="0">
+                          <a:latin typeface="Cambria Math" panose="02040503050406030204" pitchFamily="18" charset="0"/>
+                        </a:rPr>
+                        <m:t>=</m:t>
+                      </m:r>
+                      <m:r>
+                        <a:rPr lang="en-US" sz="2000" b="0" i="1" smtClean="0">
+                          <a:latin typeface="Cambria Math" panose="02040503050406030204" pitchFamily="18" charset="0"/>
+                        </a:rPr>
+                        <m:t>𝑃</m:t>
+                      </m:r>
+                      <m:d>
+                        <m:dPr>
+                          <m:ctrlPr>
+                            <a:rPr lang="en-US" sz="2000" b="0" i="1" smtClean="0">
+                              <a:latin typeface="Cambria Math" panose="02040503050406030204" pitchFamily="18" charset="0"/>
+                            </a:rPr>
+                          </m:ctrlPr>
+                        </m:dPr>
+                        <m:e>
+                          <m:r>
+                            <a:rPr lang="en-US" sz="2000" b="0" i="1" smtClean="0">
+                              <a:latin typeface="Cambria Math" panose="02040503050406030204" pitchFamily="18" charset="0"/>
+                            </a:rPr>
+                            <m:t>𝑆𝑢𝑐𝑐𝑒𝑠𝑠</m:t>
+                          </m:r>
+                        </m:e>
+                      </m:d>
+                      <m:r>
+                        <a:rPr lang="en-US" sz="2000" b="0" i="1" smtClean="0">
+                          <a:latin typeface="Cambria Math" panose="02040503050406030204" pitchFamily="18" charset="0"/>
+                        </a:rPr>
+                        <m:t>×</m:t>
+                      </m:r>
+                      <m:r>
+                        <a:rPr lang="en-US" sz="2000" b="0" i="1" smtClean="0">
+                          <a:latin typeface="Cambria Math" panose="02040503050406030204" pitchFamily="18" charset="0"/>
+                        </a:rPr>
+                        <m:t>0.839</m:t>
+                      </m:r>
+                      <m:r>
+                        <a:rPr lang="en-US" sz="2000" b="0" i="1" smtClean="0">
+                          <a:latin typeface="Cambria Math" panose="02040503050406030204" pitchFamily="18" charset="0"/>
+                        </a:rPr>
+                        <m:t>−</m:t>
+                      </m:r>
+                      <m:r>
+                        <a:rPr lang="en-US" sz="2000" b="0" i="1" smtClean="0">
+                          <a:latin typeface="Cambria Math" panose="02040503050406030204" pitchFamily="18" charset="0"/>
+                        </a:rPr>
+                        <m:t>𝑃</m:t>
+                      </m:r>
+                      <m:d>
+                        <m:dPr>
+                          <m:ctrlPr>
+                            <a:rPr lang="en-US" sz="2000" b="0" i="1" smtClean="0">
+                              <a:latin typeface="Cambria Math" panose="02040503050406030204" pitchFamily="18" charset="0"/>
+                            </a:rPr>
+                          </m:ctrlPr>
+                        </m:dPr>
+                        <m:e>
+                          <m:r>
+                            <a:rPr lang="en-US" sz="2000" b="0" i="1" smtClean="0">
+                              <a:latin typeface="Cambria Math" panose="02040503050406030204" pitchFamily="18" charset="0"/>
+                            </a:rPr>
+                            <m:t>𝐹𝑎𝑖𝑙𝑢𝑟𝑒</m:t>
+                          </m:r>
+                        </m:e>
+                      </m:d>
+                      <m:r>
+                        <a:rPr lang="en-US" sz="2000" b="0" i="1" smtClean="0">
+                          <a:latin typeface="Cambria Math" panose="02040503050406030204" pitchFamily="18" charset="0"/>
+                        </a:rPr>
+                        <m:t>×</m:t>
+                      </m:r>
+                      <m:r>
+                        <a:rPr lang="en-US" sz="2000" b="0" i="1" smtClean="0">
+                          <a:latin typeface="Cambria Math" panose="02040503050406030204" pitchFamily="18" charset="0"/>
+                        </a:rPr>
+                        <m:t>3.265</m:t>
+                      </m:r>
+                    </m:oMath>
+                  </m:oMathPara>
+                </a14:m>
+                <a:endParaRPr lang="en-US" sz="2000" b="0" dirty="0"/>
+              </a:p>
+            </p:txBody>
+          </p:sp>
+        </mc:Choice>
+        <mc:Fallback>
+          <p:sp>
+            <p:nvSpPr>
+              <p:cNvPr id="2" name="TextBox 1">
+                <a:extLst>
+                  <a:ext uri="{FF2B5EF4-FFF2-40B4-BE49-F238E27FC236}">
+                    <a16:creationId xmlns:a16="http://schemas.microsoft.com/office/drawing/2014/main" id="{E06B52A4-2843-535B-713D-682F66FFEC1A}"/>
+                  </a:ext>
+                </a:extLst>
+              </p:cNvPr>
+              <p:cNvSpPr txBox="1">
+                <a:spLocks noRot="1" noChangeAspect="1" noMove="1" noResize="1" noEditPoints="1" noAdjustHandles="1" noChangeArrowheads="1" noChangeShapeType="1" noTextEdit="1"/>
+              </p:cNvSpPr>
+              <p:nvPr/>
+            </p:nvSpPr>
+            <p:spPr>
+              <a:xfrm>
+                <a:off x="5307595" y="4751224"/>
+                <a:ext cx="10189029" cy="400110"/>
+              </a:xfrm>
+              <a:prstGeom prst="rect">
+                <a:avLst/>
+              </a:prstGeom>
+              <a:blipFill>
+                <a:blip r:embed="rId10"/>
+                <a:stretch>
+                  <a:fillRect/>
                 </a:stretch>
               </a:blipFill>
             </p:spPr>
@@ -21285,4 +21856,24 @@
     </a:ext>
   </a:extLst>
 </a:theme>
+</file>
+
+<file path=ppt/webextensions/taskpanes.xml><?xml version="1.0" encoding="utf-8"?>
+<wetp:taskpanes xmlns:wetp="http://schemas.microsoft.com/office/webextensions/taskpanes/2010/11">
+  <wetp:taskpane dockstate="right" visibility="0" width="525" row="0">
+    <wetp:webextensionref xmlns:r="http://schemas.openxmlformats.org/officeDocument/2006/relationships" r:id="rId1"/>
+  </wetp:taskpane>
+</wetp:taskpanes>
+</file>
+
+<file path=ppt/webextensions/webextension1.xml><?xml version="1.0" encoding="utf-8"?>
+<we:webextension xmlns:we="http://schemas.microsoft.com/office/webextensions/webextension/2010/11" id="{68FEE98D-94CF-448D-A432-3B7DBCEDC10F}">
+  <we:reference id="6a7bd4f3-0563-43af-8c08-79110eebdff6" version="1.1.0.1" store="EXCatalog" storeType="EXCatalog"/>
+  <we:alternateReferences>
+    <we:reference id="WA104381155" version="1.1.0.1" store="en-US" storeType="OMEX"/>
+  </we:alternateReferences>
+  <we:properties/>
+  <we:bindings/>
+  <we:snapshot xmlns:r="http://schemas.openxmlformats.org/officeDocument/2006/relationships"/>
+</we:webextension>
 </file>
--- a/Slides/Football 4/Footballl_4_Lecture.pptx
+++ b/Slides/Football 4/Footballl_4_Lecture.pptx
@@ -219,7 +219,7 @@
           <a:p>
             <a:fld id="{C04E5E84-956F-4423-97B3-5936A6D8EEEE}" type="datetimeFigureOut">
               <a:rPr lang="en-US" smtClean="0"/>
-              <a:t>4/9/2023</a:t>
+              <a:t>4/23/2024</a:t>
             </a:fld>
             <a:endParaRPr lang="en-US"/>
           </a:p>
@@ -671,7 +671,7 @@
           <a:p>
             <a:fld id="{3881C039-66A3-4640-815B-3B5A8B7D868D}" type="datetimeFigureOut">
               <a:rPr lang="en-US" smtClean="0"/>
-              <a:t>4/9/2023</a:t>
+              <a:t>4/23/2024</a:t>
             </a:fld>
             <a:endParaRPr lang="en-US"/>
           </a:p>
@@ -969,7 +969,7 @@
           <a:p>
             <a:fld id="{3881C039-66A3-4640-815B-3B5A8B7D868D}" type="datetimeFigureOut">
               <a:rPr lang="en-US" smtClean="0"/>
-              <a:t>4/9/2023</a:t>
+              <a:t>4/23/2024</a:t>
             </a:fld>
             <a:endParaRPr lang="en-US"/>
           </a:p>
@@ -1161,7 +1161,7 @@
           <a:p>
             <a:fld id="{3881C039-66A3-4640-815B-3B5A8B7D868D}" type="datetimeFigureOut">
               <a:rPr lang="en-US" smtClean="0"/>
-              <a:t>4/9/2023</a:t>
+              <a:t>4/23/2024</a:t>
             </a:fld>
             <a:endParaRPr lang="en-US"/>
           </a:p>
@@ -1422,7 +1422,7 @@
           <a:p>
             <a:fld id="{3881C039-66A3-4640-815B-3B5A8B7D868D}" type="datetimeFigureOut">
               <a:rPr lang="en-US" smtClean="0"/>
-              <a:t>4/9/2023</a:t>
+              <a:t>4/23/2024</a:t>
             </a:fld>
             <a:endParaRPr lang="en-US"/>
           </a:p>
@@ -1846,7 +1846,7 @@
           <a:p>
             <a:fld id="{3881C039-66A3-4640-815B-3B5A8B7D868D}" type="datetimeFigureOut">
               <a:rPr lang="en-US" smtClean="0"/>
-              <a:t>4/9/2023</a:t>
+              <a:t>4/23/2024</a:t>
             </a:fld>
             <a:endParaRPr lang="en-US"/>
           </a:p>
@@ -2383,7 +2383,7 @@
           <a:p>
             <a:fld id="{3881C039-66A3-4640-815B-3B5A8B7D868D}" type="datetimeFigureOut">
               <a:rPr lang="en-US" smtClean="0"/>
-              <a:t>4/9/2023</a:t>
+              <a:t>4/23/2024</a:t>
             </a:fld>
             <a:endParaRPr lang="en-US"/>
           </a:p>
@@ -3247,7 +3247,7 @@
           <a:p>
             <a:fld id="{3881C039-66A3-4640-815B-3B5A8B7D868D}" type="datetimeFigureOut">
               <a:rPr lang="en-US" smtClean="0"/>
-              <a:t>4/9/2023</a:t>
+              <a:t>4/23/2024</a:t>
             </a:fld>
             <a:endParaRPr lang="en-US"/>
           </a:p>
@@ -3417,7 +3417,7 @@
           <a:p>
             <a:fld id="{3881C039-66A3-4640-815B-3B5A8B7D868D}" type="datetimeFigureOut">
               <a:rPr lang="en-US" smtClean="0"/>
-              <a:t>4/9/2023</a:t>
+              <a:t>4/23/2024</a:t>
             </a:fld>
             <a:endParaRPr lang="en-US"/>
           </a:p>
@@ -3601,7 +3601,7 @@
           <a:p>
             <a:fld id="{3881C039-66A3-4640-815B-3B5A8B7D868D}" type="datetimeFigureOut">
               <a:rPr lang="en-US" smtClean="0"/>
-              <a:t>4/9/2023</a:t>
+              <a:t>4/23/2024</a:t>
             </a:fld>
             <a:endParaRPr lang="en-US"/>
           </a:p>
@@ -3771,7 +3771,7 @@
           <a:p>
             <a:fld id="{3881C039-66A3-4640-815B-3B5A8B7D868D}" type="datetimeFigureOut">
               <a:rPr lang="en-US" smtClean="0"/>
-              <a:t>4/9/2023</a:t>
+              <a:t>4/23/2024</a:t>
             </a:fld>
             <a:endParaRPr lang="en-US"/>
           </a:p>
@@ -4015,7 +4015,7 @@
           <a:p>
             <a:fld id="{3881C039-66A3-4640-815B-3B5A8B7D868D}" type="datetimeFigureOut">
               <a:rPr lang="en-US" smtClean="0"/>
-              <a:t>4/9/2023</a:t>
+              <a:t>4/23/2024</a:t>
             </a:fld>
             <a:endParaRPr lang="en-US"/>
           </a:p>
@@ -4251,7 +4251,7 @@
           <a:p>
             <a:fld id="{3881C039-66A3-4640-815B-3B5A8B7D868D}" type="datetimeFigureOut">
               <a:rPr lang="en-US" smtClean="0"/>
-              <a:t>4/9/2023</a:t>
+              <a:t>4/23/2024</a:t>
             </a:fld>
             <a:endParaRPr lang="en-US"/>
           </a:p>
@@ -4717,7 +4717,7 @@
           <a:p>
             <a:fld id="{3881C039-66A3-4640-815B-3B5A8B7D868D}" type="datetimeFigureOut">
               <a:rPr lang="en-US" smtClean="0"/>
-              <a:t>4/9/2023</a:t>
+              <a:t>4/23/2024</a:t>
             </a:fld>
             <a:endParaRPr lang="en-US"/>
           </a:p>
@@ -4835,7 +4835,7 @@
           <a:p>
             <a:fld id="{3881C039-66A3-4640-815B-3B5A8B7D868D}" type="datetimeFigureOut">
               <a:rPr lang="en-US" smtClean="0"/>
-              <a:t>4/9/2023</a:t>
+              <a:t>4/23/2024</a:t>
             </a:fld>
             <a:endParaRPr lang="en-US"/>
           </a:p>
@@ -4930,7 +4930,7 @@
           <a:p>
             <a:fld id="{3881C039-66A3-4640-815B-3B5A8B7D868D}" type="datetimeFigureOut">
               <a:rPr lang="en-US" smtClean="0"/>
-              <a:t>4/9/2023</a:t>
+              <a:t>4/23/2024</a:t>
             </a:fld>
             <a:endParaRPr lang="en-US"/>
           </a:p>
@@ -5185,7 +5185,7 @@
           <a:p>
             <a:fld id="{3881C039-66A3-4640-815B-3B5A8B7D868D}" type="datetimeFigureOut">
               <a:rPr lang="en-US" smtClean="0"/>
-              <a:t>4/9/2023</a:t>
+              <a:t>4/23/2024</a:t>
             </a:fld>
             <a:endParaRPr lang="en-US"/>
           </a:p>
@@ -5485,7 +5485,7 @@
           <a:p>
             <a:fld id="{3881C039-66A3-4640-815B-3B5A8B7D868D}" type="datetimeFigureOut">
               <a:rPr lang="en-US" smtClean="0"/>
-              <a:t>4/9/2023</a:t>
+              <a:t>4/23/2024</a:t>
             </a:fld>
             <a:endParaRPr lang="en-US"/>
           </a:p>
@@ -5719,7 +5719,7 @@
           <a:p>
             <a:fld id="{3881C039-66A3-4640-815B-3B5A8B7D868D}" type="datetimeFigureOut">
               <a:rPr lang="en-US" smtClean="0"/>
-              <a:t>4/9/2023</a:t>
+              <a:t>4/23/2024</a:t>
             </a:fld>
             <a:endParaRPr lang="en-US"/>
           </a:p>
@@ -9229,7 +9229,7 @@
                 <a:effectLst/>
                 <a:latin typeface="Selawik Semibold" panose="020B0702040204020203" pitchFamily="34" charset="0"/>
               </a:rPr>
-              <a:t>Fourth and 4 on Opponent’s 30 Yard Line. Field Goal or Punt?</a:t>
+              <a:t>Fourth and 4 on Opponent’s 30 Yard Line. Field Goal or Go-for-It?</a:t>
             </a:r>
           </a:p>
           <a:p>
@@ -16036,8 +16036,8 @@
           </a:ln>
         </p:spPr>
       </p:pic>
-      <mc:AlternateContent xmlns:mc="http://schemas.openxmlformats.org/markup-compatibility/2006">
-        <mc:Choice xmlns:a14="http://schemas.microsoft.com/office/drawing/2010/main" Requires="a14">
+      <mc:AlternateContent xmlns:mc="http://schemas.openxmlformats.org/markup-compatibility/2006" xmlns:a14="http://schemas.microsoft.com/office/drawing/2010/main">
+        <mc:Choice Requires="a14">
           <p:sp>
             <p:nvSpPr>
               <p:cNvPr id="8" name="TextBox 7">
@@ -16066,6 +16066,7 @@
               </a:bodyPr>
               <a:lstStyle/>
               <a:p>
+                <a:pPr/>
                 <a14:m>
                   <m:oMathPara xmlns:m="http://schemas.openxmlformats.org/officeDocument/2006/math">
                     <m:oMathParaPr>
@@ -16180,7 +16181,7 @@
             </p:txBody>
           </p:sp>
         </mc:Choice>
-        <mc:Fallback>
+        <mc:Fallback xmlns="">
           <p:sp>
             <p:nvSpPr>
               <p:cNvPr id="8" name="TextBox 7">
@@ -17127,8 +17128,8 @@
           </a:prstGeom>
         </p:spPr>
       </p:pic>
-      <mc:AlternateContent xmlns:mc="http://schemas.openxmlformats.org/markup-compatibility/2006">
-        <mc:Choice xmlns:a14="http://schemas.microsoft.com/office/drawing/2010/main" Requires="a14">
+      <mc:AlternateContent xmlns:mc="http://schemas.openxmlformats.org/markup-compatibility/2006" xmlns:a14="http://schemas.microsoft.com/office/drawing/2010/main">
+        <mc:Choice Requires="a14">
           <p:sp>
             <p:nvSpPr>
               <p:cNvPr id="22" name="TextBox 21">
@@ -17369,7 +17370,7 @@
             </p:txBody>
           </p:sp>
         </mc:Choice>
-        <mc:Fallback>
+        <mc:Fallback xmlns="">
           <p:sp>
             <p:nvSpPr>
               <p:cNvPr id="22" name="TextBox 21">
@@ -17414,8 +17415,8 @@
           </p:sp>
         </mc:Fallback>
       </mc:AlternateContent>
-      <mc:AlternateContent xmlns:mc="http://schemas.openxmlformats.org/markup-compatibility/2006">
-        <mc:Choice xmlns:a14="http://schemas.microsoft.com/office/drawing/2010/main" Requires="a14">
+      <mc:AlternateContent xmlns:mc="http://schemas.openxmlformats.org/markup-compatibility/2006" xmlns:a14="http://schemas.microsoft.com/office/drawing/2010/main">
+        <mc:Choice Requires="a14">
           <p:sp>
             <p:nvSpPr>
               <p:cNvPr id="26" name="TextBox 25">
@@ -17460,18 +17461,7 @@
                           </a:solidFill>
                           <a:latin typeface="Cambria Math" panose="02040503050406030204" pitchFamily="18" charset="0"/>
                         </a:rPr>
-                        <m:t>0.76</m:t>
-                      </m:r>
-                      <m:r>
-                        <a:rPr lang="en-US" sz="2000" b="0" i="1" smtClean="0">
-                          <a:solidFill>
-                            <a:schemeClr val="tx1">
-                              <a:lumMod val="95000"/>
-                            </a:schemeClr>
-                          </a:solidFill>
-                          <a:latin typeface="Cambria Math" panose="02040503050406030204" pitchFamily="18" charset="0"/>
-                        </a:rPr>
-                        <m:t>×</m:t>
+                        <m:t>0.76×</m:t>
                       </m:r>
                       <m:d>
                         <m:dPr>
@@ -17509,40 +17499,7 @@
                           </a:solidFill>
                           <a:latin typeface="Cambria Math" panose="02040503050406030204" pitchFamily="18" charset="0"/>
                         </a:rPr>
-                        <m:t>−0.</m:t>
-                      </m:r>
-                      <m:r>
-                        <a:rPr lang="en-US" sz="2000" b="0" i="1" smtClean="0">
-                          <a:solidFill>
-                            <a:schemeClr val="tx1">
-                              <a:lumMod val="95000"/>
-                            </a:schemeClr>
-                          </a:solidFill>
-                          <a:latin typeface="Cambria Math" panose="02040503050406030204" pitchFamily="18" charset="0"/>
-                        </a:rPr>
-                        <m:t>24</m:t>
-                      </m:r>
-                      <m:r>
-                        <a:rPr lang="en-US" sz="2000" b="0" i="1" smtClean="0">
-                          <a:solidFill>
-                            <a:schemeClr val="tx1">
-                              <a:lumMod val="95000"/>
-                            </a:schemeClr>
-                          </a:solidFill>
-                          <a:latin typeface="Cambria Math" panose="02040503050406030204" pitchFamily="18" charset="0"/>
-                        </a:rPr>
-                        <m:t>×0.978=1.</m:t>
-                      </m:r>
-                      <m:r>
-                        <a:rPr lang="en-US" sz="2000" b="0" i="1" smtClean="0">
-                          <a:solidFill>
-                            <a:schemeClr val="tx1">
-                              <a:lumMod val="95000"/>
-                            </a:schemeClr>
-                          </a:solidFill>
-                          <a:latin typeface="Cambria Math" panose="02040503050406030204" pitchFamily="18" charset="0"/>
-                        </a:rPr>
-                        <m:t>84</m:t>
+                        <m:t>−0.24×0.978=1.84</m:t>
                       </m:r>
                     </m:oMath>
                   </m:oMathPara>
@@ -17558,7 +17515,7 @@
             </p:txBody>
           </p:sp>
         </mc:Choice>
-        <mc:Fallback>
+        <mc:Fallback xmlns="">
           <p:sp>
             <p:nvSpPr>
               <p:cNvPr id="26" name="TextBox 25">
@@ -17603,8 +17560,8 @@
           </p:sp>
         </mc:Fallback>
       </mc:AlternateContent>
-      <mc:AlternateContent xmlns:mc="http://schemas.openxmlformats.org/markup-compatibility/2006">
-        <mc:Choice xmlns:a14="http://schemas.microsoft.com/office/drawing/2010/main" Requires="a14">
+      <mc:AlternateContent xmlns:mc="http://schemas.openxmlformats.org/markup-compatibility/2006" xmlns:a14="http://schemas.microsoft.com/office/drawing/2010/main">
+        <mc:Choice Requires="a14">
           <p:sp>
             <p:nvSpPr>
               <p:cNvPr id="2" name="TextBox 1">
@@ -17633,6 +17590,7 @@
               </a:bodyPr>
               <a:lstStyle/>
               <a:p>
+                <a:pPr/>
                 <a14:m>
                   <m:oMathPara xmlns:m="http://schemas.openxmlformats.org/officeDocument/2006/math">
                     <m:oMathParaPr>
@@ -17740,7 +17698,7 @@
             </p:txBody>
           </p:sp>
         </mc:Choice>
-        <mc:Fallback>
+        <mc:Fallback xmlns="">
           <p:sp>
             <p:nvSpPr>
               <p:cNvPr id="2" name="TextBox 1">
@@ -18596,8 +18554,8 @@
           </a:prstGeom>
         </p:spPr>
       </p:pic>
-      <mc:AlternateContent xmlns:mc="http://schemas.openxmlformats.org/markup-compatibility/2006">
-        <mc:Choice xmlns:a14="http://schemas.microsoft.com/office/drawing/2010/main" Requires="a14">
+      <mc:AlternateContent xmlns:mc="http://schemas.openxmlformats.org/markup-compatibility/2006" xmlns:a14="http://schemas.microsoft.com/office/drawing/2010/main">
+        <mc:Choice Requires="a14">
           <p:sp>
             <p:nvSpPr>
               <p:cNvPr id="16" name="TextBox 15">
@@ -18742,18 +18700,7 @@
                           </a:solidFill>
                           <a:latin typeface="Cambria Math" panose="02040503050406030204" pitchFamily="18" charset="0"/>
                         </a:rPr>
-                        <m:t>1.</m:t>
-                      </m:r>
-                      <m:r>
-                        <a:rPr lang="en-US" sz="2000" b="0" i="1" smtClean="0">
-                          <a:solidFill>
-                            <a:schemeClr val="tx1">
-                              <a:lumMod val="95000"/>
-                            </a:schemeClr>
-                          </a:solidFill>
-                          <a:latin typeface="Cambria Math" panose="02040503050406030204" pitchFamily="18" charset="0"/>
-                        </a:rPr>
-                        <m:t>84</m:t>
+                        <m:t>1.84</m:t>
                       </m:r>
                     </m:oMath>
                   </m:oMathPara>
@@ -18769,7 +18716,7 @@
             </p:txBody>
           </p:sp>
         </mc:Choice>
-        <mc:Fallback>
+        <mc:Fallback xmlns="">
           <p:sp>
             <p:nvSpPr>
               <p:cNvPr id="16" name="TextBox 15">
@@ -18814,8 +18761,8 @@
           </p:sp>
         </mc:Fallback>
       </mc:AlternateContent>
-      <mc:AlternateContent xmlns:mc="http://schemas.openxmlformats.org/markup-compatibility/2006">
-        <mc:Choice xmlns:a14="http://schemas.microsoft.com/office/drawing/2010/main" Requires="a14">
+      <mc:AlternateContent xmlns:mc="http://schemas.openxmlformats.org/markup-compatibility/2006" xmlns:a14="http://schemas.microsoft.com/office/drawing/2010/main">
+        <mc:Choice Requires="a14">
           <p:sp>
             <p:nvSpPr>
               <p:cNvPr id="18" name="TextBox 17">
@@ -18942,18 +18889,7 @@
                           </a:solidFill>
                           <a:latin typeface="Cambria Math" panose="02040503050406030204" pitchFamily="18" charset="0"/>
                         </a:rPr>
-                        <m:t>1.</m:t>
-                      </m:r>
-                      <m:r>
-                        <a:rPr lang="en-US" sz="2000" b="0" i="1" smtClean="0">
-                          <a:solidFill>
-                            <a:schemeClr val="tx1">
-                              <a:lumMod val="95000"/>
-                            </a:schemeClr>
-                          </a:solidFill>
-                          <a:latin typeface="Cambria Math" panose="02040503050406030204" pitchFamily="18" charset="0"/>
-                        </a:rPr>
-                        <m:t>84</m:t>
+                        <m:t>1.84</m:t>
                       </m:r>
                     </m:oMath>
                   </m:oMathPara>
@@ -18969,7 +18905,7 @@
             </p:txBody>
           </p:sp>
         </mc:Choice>
-        <mc:Fallback>
+        <mc:Fallback xmlns="">
           <p:sp>
             <p:nvSpPr>
               <p:cNvPr id="18" name="TextBox 17">
@@ -19014,8 +18950,8 @@
           </p:sp>
         </mc:Fallback>
       </mc:AlternateContent>
-      <mc:AlternateContent xmlns:mc="http://schemas.openxmlformats.org/markup-compatibility/2006">
-        <mc:Choice xmlns:a14="http://schemas.microsoft.com/office/drawing/2010/main" Requires="a14">
+      <mc:AlternateContent xmlns:mc="http://schemas.openxmlformats.org/markup-compatibility/2006" xmlns:a14="http://schemas.microsoft.com/office/drawing/2010/main">
+        <mc:Choice Requires="a14">
           <p:sp>
             <p:nvSpPr>
               <p:cNvPr id="23" name="TextBox 22">
@@ -19118,7 +19054,7 @@
             </p:txBody>
           </p:sp>
         </mc:Choice>
-        <mc:Fallback>
+        <mc:Fallback xmlns="">
           <p:sp>
             <p:nvSpPr>
               <p:cNvPr id="23" name="TextBox 22">
@@ -19163,8 +19099,8 @@
           </p:sp>
         </mc:Fallback>
       </mc:AlternateContent>
-      <mc:AlternateContent xmlns:mc="http://schemas.openxmlformats.org/markup-compatibility/2006">
-        <mc:Choice xmlns:a14="http://schemas.microsoft.com/office/drawing/2010/main" Requires="a14">
+      <mc:AlternateContent xmlns:mc="http://schemas.openxmlformats.org/markup-compatibility/2006" xmlns:a14="http://schemas.microsoft.com/office/drawing/2010/main">
+        <mc:Choice Requires="a14">
           <p:sp>
             <p:nvSpPr>
               <p:cNvPr id="25" name="TextBox 24">
@@ -19245,19 +19181,7 @@
                           <a:latin typeface="Cambria Math" panose="02040503050406030204" pitchFamily="18" charset="0"/>
                           <a:ea typeface="Cambria Math" panose="02040503050406030204" pitchFamily="18" charset="0"/>
                         </a:rPr>
-                        <m:t>0.</m:t>
-                      </m:r>
-                      <m:r>
-                        <a:rPr lang="en-US" sz="2000" b="0" i="1" smtClean="0">
-                          <a:solidFill>
-                            <a:schemeClr val="tx1">
-                              <a:lumMod val="95000"/>
-                            </a:schemeClr>
-                          </a:solidFill>
-                          <a:latin typeface="Cambria Math" panose="02040503050406030204" pitchFamily="18" charset="0"/>
-                          <a:ea typeface="Cambria Math" panose="02040503050406030204" pitchFamily="18" charset="0"/>
-                        </a:rPr>
-                        <m:t>516</m:t>
+                        <m:t>0.516</m:t>
                       </m:r>
                     </m:oMath>
                   </m:oMathPara>
@@ -19273,7 +19197,7 @@
             </p:txBody>
           </p:sp>
         </mc:Choice>
-        <mc:Fallback>
+        <mc:Fallback xmlns="">
           <p:sp>
             <p:nvSpPr>
               <p:cNvPr id="25" name="TextBox 24">
@@ -20295,8 +20219,8 @@
           </a:prstGeom>
         </p:spPr>
       </p:pic>
-      <mc:AlternateContent xmlns:mc="http://schemas.openxmlformats.org/markup-compatibility/2006">
-        <mc:Choice xmlns:a14="http://schemas.microsoft.com/office/drawing/2010/main" Requires="a14">
+      <mc:AlternateContent xmlns:mc="http://schemas.openxmlformats.org/markup-compatibility/2006" xmlns:a14="http://schemas.microsoft.com/office/drawing/2010/main">
+        <mc:Choice Requires="a14">
           <p:sp>
             <p:nvSpPr>
               <p:cNvPr id="19" name="TextBox 18">
@@ -20390,13 +20314,7 @@
                             <a:rPr lang="en-US" sz="2000" b="0" i="1" smtClean="0">
                               <a:latin typeface="Cambria Math" panose="02040503050406030204" pitchFamily="18" charset="0"/>
                             </a:rPr>
-                            <m:t>1,10,</m:t>
-                          </m:r>
-                          <m:r>
-                            <a:rPr lang="en-US" sz="2000" b="0" i="1" smtClean="0">
-                              <a:latin typeface="Cambria Math" panose="02040503050406030204" pitchFamily="18" charset="0"/>
-                            </a:rPr>
-                            <m:t>25</m:t>
+                            <m:t>1,10,25</m:t>
                           </m:r>
                         </m:e>
                       </m:d>
@@ -20404,13 +20322,7 @@
                         <a:rPr lang="en-US" sz="2000" b="0" i="1" smtClean="0">
                           <a:latin typeface="Cambria Math" panose="02040503050406030204" pitchFamily="18" charset="0"/>
                         </a:rPr>
-                        <m:t>=−0.4</m:t>
-                      </m:r>
-                      <m:r>
-                        <a:rPr lang="en-US" sz="2000" b="0" i="1" smtClean="0">
-                          <a:latin typeface="Cambria Math" panose="02040503050406030204" pitchFamily="18" charset="0"/>
-                        </a:rPr>
-                        <m:t>6</m:t>
+                        <m:t>=−0.46</m:t>
                       </m:r>
                     </m:oMath>
                   </m:oMathPara>
@@ -20420,7 +20332,7 @@
             </p:txBody>
           </p:sp>
         </mc:Choice>
-        <mc:Fallback>
+        <mc:Fallback xmlns="">
           <p:sp>
             <p:nvSpPr>
               <p:cNvPr id="19" name="TextBox 18">
@@ -21136,8 +21048,8 @@
           </p:sp>
         </mc:Fallback>
       </mc:AlternateContent>
-      <mc:AlternateContent xmlns:mc="http://schemas.openxmlformats.org/markup-compatibility/2006">
-        <mc:Choice xmlns:a14="http://schemas.microsoft.com/office/drawing/2010/main" Requires="a14">
+      <mc:AlternateContent xmlns:mc="http://schemas.openxmlformats.org/markup-compatibility/2006" xmlns:a14="http://schemas.microsoft.com/office/drawing/2010/main">
+        <mc:Choice Requires="a14">
           <p:sp>
             <p:nvSpPr>
               <p:cNvPr id="2" name="TextBox 1">
@@ -21206,19 +21118,7 @@
                         <a:rPr lang="en-US" sz="2000" b="0" i="1" smtClean="0">
                           <a:latin typeface="Cambria Math" panose="02040503050406030204" pitchFamily="18" charset="0"/>
                         </a:rPr>
-                        <m:t>×</m:t>
-                      </m:r>
-                      <m:r>
-                        <a:rPr lang="en-US" sz="2000" b="0" i="1" smtClean="0">
-                          <a:latin typeface="Cambria Math" panose="02040503050406030204" pitchFamily="18" charset="0"/>
-                        </a:rPr>
-                        <m:t>0.839</m:t>
-                      </m:r>
-                      <m:r>
-                        <a:rPr lang="en-US" sz="2000" b="0" i="1" smtClean="0">
-                          <a:latin typeface="Cambria Math" panose="02040503050406030204" pitchFamily="18" charset="0"/>
-                        </a:rPr>
-                        <m:t>−</m:t>
+                        <m:t>×0.839−</m:t>
                       </m:r>
                       <m:r>
                         <a:rPr lang="en-US" sz="2000" b="0" i="1" smtClean="0">
@@ -21247,13 +21147,7 @@
                         <a:rPr lang="en-US" sz="2000" b="0" i="1" smtClean="0">
                           <a:latin typeface="Cambria Math" panose="02040503050406030204" pitchFamily="18" charset="0"/>
                         </a:rPr>
-                        <m:t>×</m:t>
-                      </m:r>
-                      <m:r>
-                        <a:rPr lang="en-US" sz="2000" b="0" i="1" smtClean="0">
-                          <a:latin typeface="Cambria Math" panose="02040503050406030204" pitchFamily="18" charset="0"/>
-                        </a:rPr>
-                        <m:t>3.265</m:t>
+                        <m:t>×3.265</m:t>
                       </m:r>
                     </m:oMath>
                   </m:oMathPara>
@@ -21263,7 +21157,7 @@
             </p:txBody>
           </p:sp>
         </mc:Choice>
-        <mc:Fallback>
+        <mc:Fallback xmlns="">
           <p:sp>
             <p:nvSpPr>
               <p:cNvPr id="2" name="TextBox 1">
